--- a/Chap-4.pptx
+++ b/Chap-4.pptx
@@ -18,6 +18,11 @@
     <p:sldId id="274" r:id="rId12"/>
     <p:sldId id="269" r:id="rId13"/>
     <p:sldId id="275" r:id="rId14"/>
+    <p:sldId id="278" r:id="rId15"/>
+    <p:sldId id="280" r:id="rId16"/>
+    <p:sldId id="281" r:id="rId17"/>
+    <p:sldId id="282" r:id="rId18"/>
+    <p:sldId id="276" r:id="rId19"/>
   </p:sldIdLst>
   <p:sldSz cx="12192000" cy="6858000"/>
   <p:notesSz cx="6858000" cy="9144000"/>
@@ -312,7 +317,7 @@
           <a:p>
             <a:fld id="{636E364E-4E35-4FBD-876E-85607C74F420}" type="datetimeFigureOut">
               <a:rPr lang="en-US" smtClean="0"/>
-              <a:t>4/26/2018</a:t>
+              <a:t>5/2/2018</a:t>
             </a:fld>
             <a:endParaRPr lang="en-US"/>
           </a:p>
@@ -650,7 +655,7 @@
           <a:p>
             <a:fld id="{636E364E-4E35-4FBD-876E-85607C74F420}" type="datetimeFigureOut">
               <a:rPr lang="en-US" smtClean="0"/>
-              <a:t>4/26/2018</a:t>
+              <a:t>5/2/2018</a:t>
             </a:fld>
             <a:endParaRPr lang="en-US"/>
           </a:p>
@@ -1051,7 +1056,7 @@
           <a:p>
             <a:fld id="{636E364E-4E35-4FBD-876E-85607C74F420}" type="datetimeFigureOut">
               <a:rPr lang="en-US" smtClean="0"/>
-              <a:t>4/26/2018</a:t>
+              <a:t>5/2/2018</a:t>
             </a:fld>
             <a:endParaRPr lang="en-US"/>
           </a:p>
@@ -1387,7 +1392,7 @@
           <a:p>
             <a:fld id="{636E364E-4E35-4FBD-876E-85607C74F420}" type="datetimeFigureOut">
               <a:rPr lang="en-US" smtClean="0"/>
-              <a:t>4/26/2018</a:t>
+              <a:t>5/2/2018</a:t>
             </a:fld>
             <a:endParaRPr lang="en-US"/>
           </a:p>
@@ -1707,7 +1712,7 @@
           <a:p>
             <a:fld id="{636E364E-4E35-4FBD-876E-85607C74F420}" type="datetimeFigureOut">
               <a:rPr lang="en-US" smtClean="0"/>
-              <a:t>4/26/2018</a:t>
+              <a:t>5/2/2018</a:t>
             </a:fld>
             <a:endParaRPr lang="en-US"/>
           </a:p>
@@ -2103,7 +2108,7 @@
           <a:p>
             <a:fld id="{636E364E-4E35-4FBD-876E-85607C74F420}" type="datetimeFigureOut">
               <a:rPr lang="en-US" smtClean="0"/>
-              <a:t>4/26/2018</a:t>
+              <a:t>5/2/2018</a:t>
             </a:fld>
             <a:endParaRPr lang="en-US"/>
           </a:p>
@@ -2360,7 +2365,7 @@
           <a:p>
             <a:fld id="{636E364E-4E35-4FBD-876E-85607C74F420}" type="datetimeFigureOut">
               <a:rPr lang="en-US" smtClean="0"/>
-              <a:t>4/26/2018</a:t>
+              <a:t>5/2/2018</a:t>
             </a:fld>
             <a:endParaRPr lang="en-US"/>
           </a:p>
@@ -2622,7 +2627,7 @@
           <a:p>
             <a:fld id="{636E364E-4E35-4FBD-876E-85607C74F420}" type="datetimeFigureOut">
               <a:rPr lang="en-US" smtClean="0"/>
-              <a:t>4/26/2018</a:t>
+              <a:t>5/2/2018</a:t>
             </a:fld>
             <a:endParaRPr lang="en-US"/>
           </a:p>
@@ -2884,7 +2889,7 @@
           <a:p>
             <a:fld id="{636E364E-4E35-4FBD-876E-85607C74F420}" type="datetimeFigureOut">
               <a:rPr lang="en-US" smtClean="0"/>
-              <a:t>4/26/2018</a:t>
+              <a:t>5/2/2018</a:t>
             </a:fld>
             <a:endParaRPr lang="en-US"/>
           </a:p>
@@ -3213,7 +3218,7 @@
           <a:p>
             <a:fld id="{636E364E-4E35-4FBD-876E-85607C74F420}" type="datetimeFigureOut">
               <a:rPr lang="en-US" smtClean="0"/>
-              <a:t>4/26/2018</a:t>
+              <a:t>5/2/2018</a:t>
             </a:fld>
             <a:endParaRPr lang="en-US"/>
           </a:p>
@@ -3536,7 +3541,7 @@
           <a:p>
             <a:fld id="{636E364E-4E35-4FBD-876E-85607C74F420}" type="datetimeFigureOut">
               <a:rPr lang="en-US" smtClean="0"/>
-              <a:t>4/26/2018</a:t>
+              <a:t>5/2/2018</a:t>
             </a:fld>
             <a:endParaRPr lang="en-US"/>
           </a:p>
@@ -3998,7 +4003,7 @@
           <a:p>
             <a:fld id="{636E364E-4E35-4FBD-876E-85607C74F420}" type="datetimeFigureOut">
               <a:rPr lang="en-US" smtClean="0"/>
-              <a:t>4/26/2018</a:t>
+              <a:t>5/2/2018</a:t>
             </a:fld>
             <a:endParaRPr lang="en-US"/>
           </a:p>
@@ -4208,7 +4213,7 @@
           <a:p>
             <a:fld id="{636E364E-4E35-4FBD-876E-85607C74F420}" type="datetimeFigureOut">
               <a:rPr lang="en-US" smtClean="0"/>
-              <a:t>4/26/2018</a:t>
+              <a:t>5/2/2018</a:t>
             </a:fld>
             <a:endParaRPr lang="en-US"/>
           </a:p>
@@ -4385,7 +4390,7 @@
           <a:p>
             <a:fld id="{636E364E-4E35-4FBD-876E-85607C74F420}" type="datetimeFigureOut">
               <a:rPr lang="en-US" smtClean="0"/>
-              <a:t>4/26/2018</a:t>
+              <a:t>5/2/2018</a:t>
             </a:fld>
             <a:endParaRPr lang="en-US"/>
           </a:p>
@@ -4718,7 +4723,7 @@
           <a:p>
             <a:fld id="{636E364E-4E35-4FBD-876E-85607C74F420}" type="datetimeFigureOut">
               <a:rPr lang="en-US" smtClean="0"/>
-              <a:t>4/26/2018</a:t>
+              <a:t>5/2/2018</a:t>
             </a:fld>
             <a:endParaRPr lang="en-US"/>
           </a:p>
@@ -5068,7 +5073,7 @@
           <a:p>
             <a:fld id="{636E364E-4E35-4FBD-876E-85607C74F420}" type="datetimeFigureOut">
               <a:rPr lang="en-US" smtClean="0"/>
-              <a:t>4/26/2018</a:t>
+              <a:t>5/2/2018</a:t>
             </a:fld>
             <a:endParaRPr lang="en-US"/>
           </a:p>
@@ -7185,7 +7190,7 @@
           <a:p>
             <a:fld id="{636E364E-4E35-4FBD-876E-85607C74F420}" type="datetimeFigureOut">
               <a:rPr lang="en-US" smtClean="0"/>
-              <a:t>4/26/2018</a:t>
+              <a:t>5/2/2018</a:t>
             </a:fld>
             <a:endParaRPr lang="en-US"/>
           </a:p>
@@ -9175,11 +9180,7 @@
           <a:p>
             <a:r>
               <a:rPr lang="en-US" sz="2000" dirty="0" smtClean="0"/>
-              <a:t>a</a:t>
-            </a:r>
-            <a:r>
-              <a:rPr lang="en-US" sz="2000" dirty="0" smtClean="0"/>
-              <a:t>, Z</a:t>
+              <a:t>a, Z</a:t>
             </a:r>
             <a:r>
               <a:rPr lang="en-US" sz="1200" dirty="0" smtClean="0"/>
@@ -10218,9 +10219,16 @@
                 <p:ph idx="1"/>
               </p:nvPr>
             </p:nvSpPr>
-            <p:spPr/>
+            <p:spPr>
+              <a:xfrm>
+                <a:off x="2589212" y="2133600"/>
+                <a:ext cx="8915400" cy="4724400"/>
+              </a:xfrm>
+            </p:spPr>
             <p:txBody>
-              <a:bodyPr/>
+              <a:bodyPr>
+                <a:normAutofit/>
+              </a:bodyPr>
               <a:lstStyle/>
               <a:p>
                 <a:r>
@@ -10295,19 +10303,1077 @@
                 </a14:m>
                 <a:r>
                   <a:rPr lang="en-US" dirty="0"/>
-                  <a:t> | n </a:t>
-                </a:r>
-                <a:r>
-                  <a:rPr lang="en-US"/>
-                  <a:t>≥ </a:t>
-                </a:r>
-                <a:r>
-                  <a:rPr lang="en-US" smtClean="0"/>
+                  <a:t> | n ≥ </a:t>
+                </a:r>
+                <a:r>
+                  <a:rPr lang="en-US" dirty="0" smtClean="0"/>
                   <a:t>0}.</a:t>
                 </a:r>
                 <a:endParaRPr lang="en-US" dirty="0"/>
               </a:p>
               <a:p>
+                <a:r>
+                  <a:rPr lang="en-US" dirty="0"/>
+                  <a:t>The </a:t>
+                </a:r>
+                <a:r>
+                  <a:rPr lang="en-US" dirty="0" smtClean="0"/>
+                  <a:t>transitions (Instantaneous Descriptions):</a:t>
+                </a:r>
+                <a:endParaRPr lang="en-US" dirty="0"/>
+              </a:p>
+              <a:p>
+                <a:pPr lvl="1"/>
+                <a:r>
+                  <a:rPr lang="el-GR" sz="1800" dirty="0"/>
+                  <a:t>δ</a:t>
+                </a:r>
+                <a:r>
+                  <a:rPr lang="en-US" sz="1800" dirty="0"/>
+                  <a:t> (</a:t>
+                </a:r>
+                <a:r>
+                  <a:rPr lang="en-US" sz="1800" dirty="0" smtClean="0"/>
+                  <a:t>q</a:t>
+                </a:r>
+                <a:r>
+                  <a:rPr lang="en-US" sz="1200" dirty="0" smtClean="0"/>
+                  <a:t>1</a:t>
+                </a:r>
+                <a:r>
+                  <a:rPr lang="en-US" sz="1800" dirty="0" smtClean="0"/>
+                  <a:t>, </a:t>
+                </a:r>
+                <a:r>
+                  <a:rPr lang="en-US" sz="1800" dirty="0"/>
+                  <a:t>, ) = </a:t>
+                </a:r>
+                <a:r>
+                  <a:rPr lang="en-US" sz="1800" dirty="0" smtClean="0"/>
+                  <a:t>{(</a:t>
+                </a:r>
+                <a:r>
+                  <a:rPr lang="en-US" sz="1800" dirty="0"/>
+                  <a:t>q</a:t>
+                </a:r>
+                <a:r>
+                  <a:rPr lang="en-US" sz="1200" dirty="0"/>
+                  <a:t>1</a:t>
+                </a:r>
+                <a:r>
+                  <a:rPr lang="en-US" sz="1800" dirty="0" smtClean="0"/>
+                  <a:t>, $)}</a:t>
+                </a:r>
+                <a:endParaRPr lang="en-US" sz="1800" dirty="0"/>
+              </a:p>
+              <a:p>
+                <a:pPr lvl="1"/>
+                <a:r>
+                  <a:rPr lang="el-GR" sz="1800" dirty="0"/>
+                  <a:t>δ</a:t>
+                </a:r>
+                <a:r>
+                  <a:rPr lang="en-US" sz="1800" dirty="0"/>
+                  <a:t> </a:t>
+                </a:r>
+                <a:r>
+                  <a:rPr lang="en-US" sz="1800" dirty="0" smtClean="0"/>
+                  <a:t>(q</a:t>
+                </a:r>
+                <a:r>
+                  <a:rPr lang="en-US" sz="1200" dirty="0" smtClean="0"/>
+                  <a:t>2</a:t>
+                </a:r>
+                <a:r>
+                  <a:rPr lang="en-US" sz="1800" dirty="0" smtClean="0"/>
+                  <a:t>, 0, </a:t>
+                </a:r>
+                <a:r>
+                  <a:rPr lang="en-US" sz="1800" dirty="0"/>
+                  <a:t>$</a:t>
+                </a:r>
+                <a:r>
+                  <a:rPr lang="en-US" sz="1800" dirty="0" smtClean="0"/>
+                  <a:t>) </a:t>
+                </a:r>
+                <a:r>
+                  <a:rPr lang="en-US" sz="1800" dirty="0"/>
+                  <a:t>= </a:t>
+                </a:r>
+                <a:r>
+                  <a:rPr lang="en-US" sz="1800" dirty="0" smtClean="0"/>
+                  <a:t>{(</a:t>
+                </a:r>
+                <a:r>
+                  <a:rPr lang="en-US" sz="1800" dirty="0"/>
+                  <a:t>q</a:t>
+                </a:r>
+                <a:r>
+                  <a:rPr lang="en-US" sz="1200" dirty="0"/>
+                  <a:t>2</a:t>
+                </a:r>
+                <a:r>
+                  <a:rPr lang="en-US" sz="1800" dirty="0" smtClean="0"/>
+                  <a:t>, 0$)}</a:t>
+                </a:r>
+                <a:endParaRPr lang="en-US" sz="1800" dirty="0"/>
+              </a:p>
+              <a:p>
+                <a:pPr lvl="1"/>
+                <a:r>
+                  <a:rPr lang="el-GR" sz="1800" dirty="0" smtClean="0"/>
+                  <a:t>δ</a:t>
+                </a:r>
+                <a:r>
+                  <a:rPr lang="en-US" sz="1800" dirty="0" smtClean="0"/>
+                  <a:t> (q</a:t>
+                </a:r>
+                <a:r>
+                  <a:rPr lang="en-US" sz="1200" dirty="0" smtClean="0"/>
+                  <a:t>2</a:t>
+                </a:r>
+                <a:r>
+                  <a:rPr lang="en-US" sz="1800" dirty="0" smtClean="0"/>
+                  <a:t>, 1, 0) = {(q</a:t>
+                </a:r>
+                <a:r>
+                  <a:rPr lang="en-US" sz="1200" dirty="0" smtClean="0"/>
+                  <a:t>3</a:t>
+                </a:r>
+                <a:r>
+                  <a:rPr lang="en-US" sz="1800" dirty="0" smtClean="0"/>
+                  <a:t>, $)}</a:t>
+                </a:r>
+              </a:p>
+              <a:p>
+                <a:pPr lvl="1"/>
+                <a:r>
+                  <a:rPr lang="el-GR" sz="1800" dirty="0" smtClean="0"/>
+                  <a:t>δ</a:t>
+                </a:r>
+                <a:r>
+                  <a:rPr lang="en-US" sz="1800" dirty="0" smtClean="0"/>
+                  <a:t> (q</a:t>
+                </a:r>
+                <a:r>
+                  <a:rPr lang="en-US" sz="1200" dirty="0" smtClean="0"/>
+                  <a:t>3</a:t>
+                </a:r>
+                <a:r>
+                  <a:rPr lang="en-US" sz="1800" dirty="0" smtClean="0"/>
+                  <a:t>, 1, 0) </a:t>
+                </a:r>
+                <a:r>
+                  <a:rPr lang="en-US" sz="1800" dirty="0"/>
+                  <a:t>= </a:t>
+                </a:r>
+                <a:r>
+                  <a:rPr lang="en-US" sz="1800" dirty="0" smtClean="0"/>
+                  <a:t>{(q</a:t>
+                </a:r>
+                <a:r>
+                  <a:rPr lang="en-US" sz="1200" dirty="0" smtClean="0"/>
+                  <a:t>3</a:t>
+                </a:r>
+                <a:r>
+                  <a:rPr lang="en-US" sz="1800" dirty="0" smtClean="0"/>
+                  <a:t>, $)}</a:t>
+                </a:r>
+                <a:endParaRPr lang="en-US" sz="1800" dirty="0"/>
+              </a:p>
+              <a:p>
+                <a:pPr lvl="1"/>
+                <a:r>
+                  <a:rPr lang="el-GR" sz="1800" dirty="0"/>
+                  <a:t>δ</a:t>
+                </a:r>
+                <a:r>
+                  <a:rPr lang="en-US" sz="1800" dirty="0"/>
+                  <a:t> </a:t>
+                </a:r>
+                <a:r>
+                  <a:rPr lang="en-US" sz="1800" dirty="0" smtClean="0"/>
+                  <a:t>(q</a:t>
+                </a:r>
+                <a:r>
+                  <a:rPr lang="en-US" sz="1200" dirty="0" smtClean="0"/>
+                  <a:t>3</a:t>
+                </a:r>
+                <a:r>
+                  <a:rPr lang="en-US" sz="1800" dirty="0" smtClean="0"/>
+                  <a:t>, </a:t>
+                </a:r>
+                <a:r>
+                  <a:rPr lang="en-US" sz="1800" dirty="0"/>
+                  <a:t></a:t>
+                </a:r>
+                <a:r>
+                  <a:rPr lang="en-US" sz="1800" dirty="0" smtClean="0"/>
+                  <a:t>, $) </a:t>
+                </a:r>
+                <a:r>
+                  <a:rPr lang="en-US" sz="1800" dirty="0"/>
+                  <a:t>= </a:t>
+                </a:r>
+                <a:r>
+                  <a:rPr lang="en-US" sz="1800" dirty="0" smtClean="0"/>
+                  <a:t>{(q</a:t>
+                </a:r>
+                <a:r>
+                  <a:rPr lang="en-US" sz="1200" dirty="0" smtClean="0"/>
+                  <a:t>4</a:t>
+                </a:r>
+                <a:r>
+                  <a:rPr lang="en-US" sz="1800" dirty="0" smtClean="0"/>
+                  <a:t>, </a:t>
+                </a:r>
+                <a:r>
+                  <a:rPr lang="en-US" sz="1800" dirty="0"/>
+                  <a:t>)}</a:t>
+                </a:r>
+                <a:endParaRPr lang="en-US" sz="1800" dirty="0"/>
+              </a:p>
+            </p:txBody>
+          </p:sp>
+        </mc:Choice>
+        <mc:Fallback>
+          <p:sp>
+            <p:nvSpPr>
+              <p:cNvPr id="3" name="Content Placeholder 2"/>
+              <p:cNvSpPr>
+                <a:spLocks noGrp="1" noRot="1" noChangeAspect="1" noMove="1" noResize="1" noEditPoints="1" noAdjustHandles="1" noChangeArrowheads="1" noChangeShapeType="1" noTextEdit="1"/>
+              </p:cNvSpPr>
+              <p:nvPr>
+                <p:ph idx="1"/>
+              </p:nvPr>
+            </p:nvSpPr>
+            <p:spPr>
+              <a:xfrm>
+                <a:off x="2589212" y="2133600"/>
+                <a:ext cx="8915400" cy="4724400"/>
+              </a:xfrm>
+              <a:blipFill rotWithShape="0">
+                <a:blip r:embed="rId2"/>
+                <a:stretch>
+                  <a:fillRect l="-479" t="-645"/>
+                </a:stretch>
+              </a:blipFill>
+            </p:spPr>
+            <p:txBody>
+              <a:bodyPr/>
+              <a:lstStyle/>
+              <a:p>
+                <a:r>
+                  <a:rPr lang="en-US">
+                    <a:noFill/>
+                  </a:rPr>
+                  <a:t> </a:t>
+                </a:r>
+              </a:p>
+            </p:txBody>
+          </p:sp>
+        </mc:Fallback>
+      </mc:AlternateContent>
+      <p:sp>
+        <p:nvSpPr>
+          <p:cNvPr id="4" name="Title 1"/>
+          <p:cNvSpPr>
+            <a:spLocks noGrp="1"/>
+          </p:cNvSpPr>
+          <p:nvPr>
+            <p:ph type="title"/>
+          </p:nvPr>
+        </p:nvSpPr>
+        <p:spPr>
+          <a:xfrm>
+            <a:off x="2592925" y="624110"/>
+            <a:ext cx="8911687" cy="1280890"/>
+          </a:xfrm>
+        </p:spPr>
+        <p:txBody>
+          <a:bodyPr/>
+          <a:lstStyle/>
+          <a:p>
+            <a:r>
+              <a:rPr lang="en-US" dirty="0" smtClean="0"/>
+              <a:t>Example of </a:t>
+            </a:r>
+            <a:r>
+              <a:rPr lang="en-US" dirty="0"/>
+              <a:t>Non Deterministic PDA:</a:t>
+            </a:r>
+          </a:p>
+        </p:txBody>
+      </p:sp>
+      <p:pic>
+        <p:nvPicPr>
+          <p:cNvPr id="2" name="Picture 1"/>
+          <p:cNvPicPr>
+            <a:picLocks noChangeAspect="1"/>
+          </p:cNvPicPr>
+          <p:nvPr/>
+        </p:nvPicPr>
+        <p:blipFill>
+          <a:blip r:embed="rId3"/>
+          <a:stretch>
+            <a:fillRect/>
+          </a:stretch>
+        </p:blipFill>
+        <p:spPr>
+          <a:xfrm>
+            <a:off x="5984456" y="4893454"/>
+            <a:ext cx="5988603" cy="1726444"/>
+          </a:xfrm>
+          <a:prstGeom prst="rect">
+            <a:avLst/>
+          </a:prstGeom>
+        </p:spPr>
+      </p:pic>
+    </p:spTree>
+    <p:extLst>
+      <p:ext uri="{BB962C8B-B14F-4D97-AF65-F5344CB8AC3E}">
+        <p14:creationId xmlns:p14="http://schemas.microsoft.com/office/powerpoint/2010/main" val="3989535333"/>
+      </p:ext>
+    </p:extLst>
+  </p:cSld>
+  <p:clrMapOvr>
+    <a:masterClrMapping/>
+  </p:clrMapOvr>
+</p:sld>
+</file>
+
+<file path=ppt/slides/slide14.xml><?xml version="1.0" encoding="utf-8"?>
+<p:sld xmlns:a="http://schemas.openxmlformats.org/drawingml/2006/main" xmlns:r="http://schemas.openxmlformats.org/officeDocument/2006/relationships" xmlns:p="http://schemas.openxmlformats.org/presentationml/2006/main">
+  <p:cSld>
+    <p:spTree>
+      <p:nvGrpSpPr>
+        <p:cNvPr id="1" name=""/>
+        <p:cNvGrpSpPr/>
+        <p:nvPr/>
+      </p:nvGrpSpPr>
+      <p:grpSpPr>
+        <a:xfrm>
+          <a:off x="0" y="0"/>
+          <a:ext cx="0" cy="0"/>
+          <a:chOff x="0" y="0"/>
+          <a:chExt cx="0" cy="0"/>
+        </a:xfrm>
+      </p:grpSpPr>
+      <p:sp>
+        <p:nvSpPr>
+          <p:cNvPr id="4" name="Title 1"/>
+          <p:cNvSpPr>
+            <a:spLocks noGrp="1"/>
+          </p:cNvSpPr>
+          <p:nvPr>
+            <p:ph type="title"/>
+          </p:nvPr>
+        </p:nvSpPr>
+        <p:spPr>
+          <a:xfrm>
+            <a:off x="2592925" y="624110"/>
+            <a:ext cx="8911687" cy="1280890"/>
+          </a:xfrm>
+        </p:spPr>
+        <p:txBody>
+          <a:bodyPr/>
+          <a:lstStyle/>
+          <a:p>
+            <a:r>
+              <a:rPr lang="en-US" dirty="0" smtClean="0"/>
+              <a:t>Example of </a:t>
+            </a:r>
+            <a:r>
+              <a:rPr lang="en-US" dirty="0"/>
+              <a:t>Non Deterministic PDA:</a:t>
+            </a:r>
+          </a:p>
+        </p:txBody>
+      </p:sp>
+      <p:pic>
+        <p:nvPicPr>
+          <p:cNvPr id="5" name="Picture 4" descr="Screen Clipping"/>
+          <p:cNvPicPr>
+            <a:picLocks noChangeAspect="1"/>
+          </p:cNvPicPr>
+          <p:nvPr/>
+        </p:nvPicPr>
+        <p:blipFill rotWithShape="1">
+          <a:blip r:embed="rId2">
+            <a:extLst>
+              <a:ext uri="{28A0092B-C50C-407E-A947-70E740481C1C}">
+                <a14:useLocalDpi xmlns:a14="http://schemas.microsoft.com/office/drawing/2010/main" val="0"/>
+              </a:ext>
+            </a:extLst>
+          </a:blip>
+          <a:srcRect l="6667" r="8288" b="6736"/>
+          <a:stretch/>
+        </p:blipFill>
+        <p:spPr>
+          <a:xfrm>
+            <a:off x="276783" y="1905000"/>
+            <a:ext cx="5546501" cy="2749639"/>
+          </a:xfrm>
+          <a:prstGeom prst="rect">
+            <a:avLst/>
+          </a:prstGeom>
+          <a:ln w="38100" cap="sq">
+            <a:solidFill>
+              <a:srgbClr val="000000"/>
+            </a:solidFill>
+            <a:prstDash val="solid"/>
+            <a:miter lim="800000"/>
+          </a:ln>
+          <a:effectLst>
+            <a:outerShdw blurRad="50800" dist="38100" dir="2700000" algn="tl" rotWithShape="0">
+              <a:srgbClr val="000000">
+                <a:alpha val="43000"/>
+              </a:srgbClr>
+            </a:outerShdw>
+          </a:effectLst>
+        </p:spPr>
+      </p:pic>
+      <mc:AlternateContent xmlns:mc="http://schemas.openxmlformats.org/markup-compatibility/2006">
+        <mc:Choice xmlns:a14="http://schemas.microsoft.com/office/drawing/2010/main" Requires="a14">
+          <p:sp>
+            <p:nvSpPr>
+              <p:cNvPr id="8" name="Content Placeholder 2"/>
+              <p:cNvSpPr>
+                <a:spLocks noGrp="1"/>
+              </p:cNvSpPr>
+              <p:nvPr>
+                <p:ph idx="1"/>
+              </p:nvPr>
+            </p:nvSpPr>
+            <p:spPr>
+              <a:xfrm>
+                <a:off x="5823284" y="3557329"/>
+                <a:ext cx="6368716" cy="3300671"/>
+              </a:xfrm>
+            </p:spPr>
+            <p:txBody>
+              <a:bodyPr>
+                <a:normAutofit/>
+              </a:bodyPr>
+              <a:lstStyle/>
+              <a:p>
+                <a:r>
+                  <a:rPr lang="en-US" dirty="0" smtClean="0"/>
+                  <a:t>The State Diagram of </a:t>
+                </a:r>
+                <a:r>
+                  <a:rPr lang="en-US" dirty="0"/>
+                  <a:t>L={</a:t>
+                </a:r>
+                <a14:m>
+                  <m:oMath xmlns:m="http://schemas.openxmlformats.org/officeDocument/2006/math">
+                    <m:sSup>
+                      <m:sSupPr>
+                        <m:ctrlPr>
+                          <a:rPr lang="en-US" i="1">
+                            <a:latin typeface="Cambria Math" panose="02040503050406030204" pitchFamily="18" charset="0"/>
+                          </a:rPr>
+                        </m:ctrlPr>
+                      </m:sSupPr>
+                      <m:e>
+                        <m:r>
+                          <a:rPr lang="en-US" b="0" i="1" smtClean="0">
+                            <a:latin typeface="Cambria Math" panose="02040503050406030204" pitchFamily="18" charset="0"/>
+                          </a:rPr>
+                          <m:t>𝑎</m:t>
+                        </m:r>
+                      </m:e>
+                      <m:sup>
+                        <m:r>
+                          <a:rPr lang="en-US" i="1">
+                            <a:latin typeface="Cambria Math" panose="02040503050406030204" pitchFamily="18" charset="0"/>
+                          </a:rPr>
+                          <m:t>𝑛</m:t>
+                        </m:r>
+                      </m:sup>
+                    </m:sSup>
+                  </m:oMath>
+                </a14:m>
+                <a:r>
+                  <a:rPr lang="en-US" dirty="0"/>
+                  <a:t> </a:t>
+                </a:r>
+                <a14:m>
+                  <m:oMath xmlns:m="http://schemas.openxmlformats.org/officeDocument/2006/math">
+                    <m:sSup>
+                      <m:sSupPr>
+                        <m:ctrlPr>
+                          <a:rPr lang="en-US" i="1">
+                            <a:latin typeface="Cambria Math" panose="02040503050406030204" pitchFamily="18" charset="0"/>
+                          </a:rPr>
+                        </m:ctrlPr>
+                      </m:sSupPr>
+                      <m:e>
+                        <m:r>
+                          <a:rPr lang="en-US" b="0" i="1" smtClean="0">
+                            <a:latin typeface="Cambria Math" panose="02040503050406030204" pitchFamily="18" charset="0"/>
+                          </a:rPr>
+                          <m:t>𝑏</m:t>
+                        </m:r>
+                      </m:e>
+                      <m:sup>
+                        <m:r>
+                          <a:rPr lang="en-US" i="1">
+                            <a:latin typeface="Cambria Math" panose="02040503050406030204" pitchFamily="18" charset="0"/>
+                          </a:rPr>
+                          <m:t>𝑛</m:t>
+                        </m:r>
+                      </m:sup>
+                    </m:sSup>
+                  </m:oMath>
+                </a14:m>
+                <a:r>
+                  <a:rPr lang="en-US" dirty="0"/>
+                  <a:t> | n ≥ </a:t>
+                </a:r>
+                <a:r>
+                  <a:rPr lang="en-US" dirty="0" smtClean="0"/>
+                  <a:t>0</a:t>
+                </a:r>
+                <a:r>
+                  <a:rPr lang="en-US" dirty="0" smtClean="0"/>
+                  <a:t>} U {a}</a:t>
+                </a:r>
+                <a:endParaRPr lang="en-US" dirty="0"/>
+              </a:p>
+              <a:p>
+                <a:r>
+                  <a:rPr lang="en-US" dirty="0"/>
+                  <a:t>The </a:t>
+                </a:r>
+                <a:r>
+                  <a:rPr lang="en-US" dirty="0" smtClean="0"/>
+                  <a:t>transitions (Instantaneous Descriptions):</a:t>
+                </a:r>
+                <a:endParaRPr lang="en-US" dirty="0"/>
+              </a:p>
+              <a:p>
+                <a:pPr lvl="1"/>
+                <a:r>
+                  <a:rPr lang="el-GR" sz="1800" dirty="0"/>
+                  <a:t>δ</a:t>
+                </a:r>
+                <a:r>
+                  <a:rPr lang="en-US" sz="1800" dirty="0"/>
+                  <a:t> (</a:t>
+                </a:r>
+                <a:r>
+                  <a:rPr lang="en-US" sz="1800" dirty="0" smtClean="0"/>
+                  <a:t>q</a:t>
+                </a:r>
+                <a:r>
+                  <a:rPr lang="en-US" sz="1200" dirty="0" smtClean="0"/>
+                  <a:t>0</a:t>
+                </a:r>
+                <a:r>
+                  <a:rPr lang="en-US" sz="1800" dirty="0" smtClean="0"/>
+                  <a:t>, a, 0) </a:t>
+                </a:r>
+                <a:r>
+                  <a:rPr lang="en-US" sz="1800" dirty="0"/>
+                  <a:t>= </a:t>
+                </a:r>
+                <a:r>
+                  <a:rPr lang="en-US" sz="1800" dirty="0" smtClean="0"/>
+                  <a:t>{(</a:t>
+                </a:r>
+                <a:r>
+                  <a:rPr lang="en-US" sz="1800" dirty="0"/>
+                  <a:t>q</a:t>
+                </a:r>
+                <a:r>
+                  <a:rPr lang="en-US" sz="1200" dirty="0"/>
+                  <a:t>1</a:t>
+                </a:r>
+                <a:r>
+                  <a:rPr lang="en-US" sz="1800" dirty="0" smtClean="0"/>
+                  <a:t>, </a:t>
+                </a:r>
+                <a:r>
+                  <a:rPr lang="en-US" sz="1800" dirty="0" smtClean="0"/>
+                  <a:t>10</a:t>
+                </a:r>
+                <a:r>
+                  <a:rPr lang="en-US" sz="1800" dirty="0"/>
+                  <a:t>), (q</a:t>
+                </a:r>
+                <a:r>
+                  <a:rPr lang="en-US" sz="1200" dirty="0"/>
+                  <a:t>3</a:t>
+                </a:r>
+                <a:r>
+                  <a:rPr lang="en-US" sz="1800" dirty="0"/>
+                  <a:t>, λ)}</a:t>
+                </a:r>
+                <a:endParaRPr lang="en-US" sz="1800" dirty="0"/>
+              </a:p>
+              <a:p>
+                <a:pPr lvl="1"/>
+                <a:r>
+                  <a:rPr lang="el-GR" sz="1800" dirty="0"/>
+                  <a:t>δ</a:t>
+                </a:r>
+                <a:r>
+                  <a:rPr lang="en-US" sz="1800" dirty="0"/>
+                  <a:t> </a:t>
+                </a:r>
+                <a:r>
+                  <a:rPr lang="en-US" sz="1800" dirty="0" smtClean="0"/>
+                  <a:t>(</a:t>
+                </a:r>
+                <a:r>
+                  <a:rPr lang="en-US" sz="1800" dirty="0" smtClean="0"/>
+                  <a:t>q</a:t>
+                </a:r>
+                <a:r>
+                  <a:rPr lang="en-US" sz="1200" dirty="0"/>
+                  <a:t>0</a:t>
+                </a:r>
+                <a:r>
+                  <a:rPr lang="en-US" sz="1800" dirty="0" smtClean="0"/>
+                  <a:t>, </a:t>
+                </a:r>
+                <a:r>
+                  <a:rPr lang="en-US" sz="1800" dirty="0"/>
+                  <a:t>λ</a:t>
+                </a:r>
+                <a:r>
+                  <a:rPr lang="en-US" sz="1800" dirty="0" smtClean="0"/>
+                  <a:t>, </a:t>
+                </a:r>
+                <a:r>
+                  <a:rPr lang="en-US" sz="1800" dirty="0"/>
+                  <a:t>0</a:t>
+                </a:r>
+                <a:r>
+                  <a:rPr lang="en-US" sz="1800" dirty="0" smtClean="0"/>
+                  <a:t>) </a:t>
+                </a:r>
+                <a:r>
+                  <a:rPr lang="en-US" sz="1800" dirty="0"/>
+                  <a:t>= </a:t>
+                </a:r>
+                <a:r>
+                  <a:rPr lang="en-US" sz="1800" dirty="0" smtClean="0"/>
+                  <a:t>{(</a:t>
+                </a:r>
+                <a:r>
+                  <a:rPr lang="en-US" sz="1800" dirty="0" smtClean="0"/>
+                  <a:t>q</a:t>
+                </a:r>
+                <a:r>
+                  <a:rPr lang="en-US" sz="1200" dirty="0"/>
+                  <a:t>3</a:t>
+                </a:r>
+                <a:r>
+                  <a:rPr lang="en-US" sz="1800" dirty="0"/>
+                  <a:t>, λ)}</a:t>
+                </a:r>
+                <a:endParaRPr lang="en-US" sz="1800" dirty="0"/>
+              </a:p>
+              <a:p>
+                <a:pPr lvl="1"/>
+                <a:r>
+                  <a:rPr lang="el-GR" sz="1800" dirty="0" smtClean="0"/>
+                  <a:t>δ</a:t>
+                </a:r>
+                <a:r>
+                  <a:rPr lang="en-US" sz="1800" dirty="0" smtClean="0"/>
+                  <a:t> (</a:t>
+                </a:r>
+                <a:r>
+                  <a:rPr lang="en-US" sz="1800" dirty="0" smtClean="0"/>
+                  <a:t>q</a:t>
+                </a:r>
+                <a:r>
+                  <a:rPr lang="en-US" sz="1200" dirty="0"/>
+                  <a:t>1</a:t>
+                </a:r>
+                <a:r>
+                  <a:rPr lang="en-US" sz="1800" dirty="0" smtClean="0"/>
+                  <a:t>, </a:t>
+                </a:r>
+                <a:r>
+                  <a:rPr lang="en-US" sz="1800" dirty="0"/>
+                  <a:t>a</a:t>
+                </a:r>
+                <a:r>
+                  <a:rPr lang="en-US" sz="1800" dirty="0" smtClean="0"/>
+                  <a:t>, </a:t>
+                </a:r>
+                <a:r>
+                  <a:rPr lang="en-US" sz="1800" dirty="0"/>
+                  <a:t>1</a:t>
+                </a:r>
+                <a:r>
+                  <a:rPr lang="en-US" sz="1800" dirty="0" smtClean="0"/>
+                  <a:t>) </a:t>
+                </a:r>
+                <a:r>
+                  <a:rPr lang="en-US" sz="1800" dirty="0" smtClean="0"/>
+                  <a:t>= {(</a:t>
+                </a:r>
+                <a:r>
+                  <a:rPr lang="en-US" sz="1800" dirty="0" smtClean="0"/>
+                  <a:t>q</a:t>
+                </a:r>
+                <a:r>
+                  <a:rPr lang="en-US" sz="1200" dirty="0"/>
+                  <a:t>1</a:t>
+                </a:r>
+                <a:r>
+                  <a:rPr lang="en-US" sz="1800" dirty="0" smtClean="0"/>
+                  <a:t>, </a:t>
+                </a:r>
+                <a:r>
+                  <a:rPr lang="en-US" sz="1800" dirty="0" smtClean="0"/>
+                  <a:t>11</a:t>
+                </a:r>
+                <a:r>
+                  <a:rPr lang="en-US" sz="1800" dirty="0" smtClean="0"/>
+                  <a:t>)}</a:t>
+                </a:r>
+                <a:endParaRPr lang="en-US" sz="1800" dirty="0" smtClean="0"/>
+              </a:p>
+              <a:p>
+                <a:pPr lvl="1"/>
+                <a:r>
+                  <a:rPr lang="el-GR" sz="1800" dirty="0" smtClean="0"/>
+                  <a:t>δ</a:t>
+                </a:r>
+                <a:r>
+                  <a:rPr lang="en-US" sz="1800" dirty="0" smtClean="0"/>
+                  <a:t> (</a:t>
+                </a:r>
+                <a:r>
+                  <a:rPr lang="en-US" sz="1800" dirty="0" smtClean="0"/>
+                  <a:t>q</a:t>
+                </a:r>
+                <a:r>
+                  <a:rPr lang="en-US" sz="1200" dirty="0"/>
+                  <a:t>1</a:t>
+                </a:r>
+                <a:r>
+                  <a:rPr lang="en-US" sz="1800" dirty="0" smtClean="0"/>
+                  <a:t>, </a:t>
+                </a:r>
+                <a:r>
+                  <a:rPr lang="en-US" sz="1800" dirty="0"/>
+                  <a:t>b</a:t>
+                </a:r>
+                <a:r>
+                  <a:rPr lang="en-US" sz="1800" dirty="0" smtClean="0"/>
+                  <a:t>, </a:t>
+                </a:r>
+                <a:r>
+                  <a:rPr lang="en-US" sz="1800" dirty="0"/>
+                  <a:t>1</a:t>
+                </a:r>
+                <a:r>
+                  <a:rPr lang="en-US" sz="1800" dirty="0" smtClean="0"/>
+                  <a:t>) </a:t>
+                </a:r>
+                <a:r>
+                  <a:rPr lang="en-US" sz="1800" dirty="0"/>
+                  <a:t>= </a:t>
+                </a:r>
+                <a:r>
+                  <a:rPr lang="en-US" sz="1800" dirty="0" smtClean="0"/>
+                  <a:t>{(</a:t>
+                </a:r>
+                <a:r>
+                  <a:rPr lang="en-US" sz="1800" dirty="0" smtClean="0"/>
+                  <a:t>q</a:t>
+                </a:r>
+                <a:r>
+                  <a:rPr lang="en-US" sz="1200" dirty="0"/>
+                  <a:t>2</a:t>
+                </a:r>
+                <a:r>
+                  <a:rPr lang="en-US" sz="1800" dirty="0"/>
+                  <a:t>, λ)}</a:t>
+                </a:r>
+                <a:endParaRPr lang="en-US" sz="1800" dirty="0"/>
+              </a:p>
+              <a:p>
+                <a:pPr lvl="1"/>
+                <a:r>
+                  <a:rPr lang="el-GR" sz="1800" dirty="0"/>
+                  <a:t>δ</a:t>
+                </a:r>
+                <a:r>
+                  <a:rPr lang="en-US" sz="1800" dirty="0"/>
+                  <a:t> </a:t>
+                </a:r>
+                <a:r>
+                  <a:rPr lang="en-US" sz="1800" dirty="0" smtClean="0"/>
+                  <a:t>(</a:t>
+                </a:r>
+                <a:r>
+                  <a:rPr lang="en-US" sz="1800" dirty="0" smtClean="0"/>
+                  <a:t>q</a:t>
+                </a:r>
+                <a:r>
+                  <a:rPr lang="en-US" sz="1200" dirty="0"/>
+                  <a:t>2</a:t>
+                </a:r>
+                <a:r>
+                  <a:rPr lang="en-US" sz="1800" dirty="0" smtClean="0"/>
+                  <a:t>, b, 1) </a:t>
+                </a:r>
+                <a:r>
+                  <a:rPr lang="en-US" sz="1800" dirty="0"/>
+                  <a:t>= </a:t>
+                </a:r>
+                <a:r>
+                  <a:rPr lang="en-US" sz="1800" dirty="0" smtClean="0"/>
+                  <a:t>{(</a:t>
+                </a:r>
+                <a:r>
+                  <a:rPr lang="en-US" sz="1800" dirty="0" smtClean="0"/>
+                  <a:t>q</a:t>
+                </a:r>
+                <a:r>
+                  <a:rPr lang="en-US" sz="1200" dirty="0"/>
+                  <a:t>2</a:t>
+                </a:r>
+                <a:r>
+                  <a:rPr lang="en-US" sz="1800" dirty="0" smtClean="0"/>
+                  <a:t>, </a:t>
+                </a:r>
+                <a:r>
+                  <a:rPr lang="en-US" sz="1800" dirty="0"/>
+                  <a:t>λ</a:t>
+                </a:r>
+                <a:r>
+                  <a:rPr lang="en-US" sz="1800" dirty="0" smtClean="0"/>
+                  <a:t>)}</a:t>
+                </a:r>
+              </a:p>
+              <a:p>
+                <a:pPr lvl="1"/>
+                <a:r>
+                  <a:rPr lang="el-GR" sz="1800" dirty="0" smtClean="0"/>
+                  <a:t>δ</a:t>
+                </a:r>
+                <a:r>
+                  <a:rPr lang="en-US" sz="1800" dirty="0" smtClean="0"/>
+                  <a:t> (q</a:t>
+                </a:r>
+                <a:r>
+                  <a:rPr lang="en-US" sz="1200" dirty="0" smtClean="0"/>
+                  <a:t>2</a:t>
+                </a:r>
+                <a:r>
+                  <a:rPr lang="en-US" sz="1800" dirty="0" smtClean="0"/>
+                  <a:t>, </a:t>
+                </a:r>
+                <a:r>
+                  <a:rPr lang="en-US" sz="1800" dirty="0"/>
+                  <a:t>λ</a:t>
+                </a:r>
+                <a:r>
+                  <a:rPr lang="en-US" sz="1800" dirty="0" smtClean="0"/>
+                  <a:t>, </a:t>
+                </a:r>
+                <a:r>
+                  <a:rPr lang="en-US" sz="1800" dirty="0"/>
+                  <a:t>0</a:t>
+                </a:r>
+                <a:r>
+                  <a:rPr lang="en-US" sz="1800" dirty="0" smtClean="0"/>
+                  <a:t>) = {(q</a:t>
+                </a:r>
+                <a:r>
+                  <a:rPr lang="en-US" sz="1200" dirty="0"/>
+                  <a:t>3</a:t>
+                </a:r>
+                <a:r>
+                  <a:rPr lang="en-US" sz="1800" dirty="0" smtClean="0"/>
+                  <a:t>, λ)}</a:t>
+                </a:r>
+              </a:p>
+              <a:p>
+                <a:pPr lvl="1"/>
+                <a:endParaRPr lang="en-US" sz="1800" dirty="0"/>
+              </a:p>
+            </p:txBody>
+          </p:sp>
+        </mc:Choice>
+        <mc:Fallback>
+          <p:sp>
+            <p:nvSpPr>
+              <p:cNvPr id="8" name="Content Placeholder 2"/>
+              <p:cNvSpPr>
+                <a:spLocks noGrp="1" noRot="1" noChangeAspect="1" noMove="1" noResize="1" noEditPoints="1" noAdjustHandles="1" noChangeArrowheads="1" noChangeShapeType="1" noTextEdit="1"/>
+              </p:cNvSpPr>
+              <p:nvPr>
+                <p:ph idx="1"/>
+              </p:nvPr>
+            </p:nvSpPr>
+            <p:spPr>
+              <a:xfrm>
+                <a:off x="5823284" y="3557329"/>
+                <a:ext cx="6368716" cy="3300671"/>
+              </a:xfrm>
+              <a:blipFill rotWithShape="0">
+                <a:blip r:embed="rId3"/>
+                <a:stretch>
+                  <a:fillRect l="-670" t="-1109"/>
+                </a:stretch>
+              </a:blipFill>
+            </p:spPr>
+            <p:txBody>
+              <a:bodyPr/>
+              <a:lstStyle/>
+              <a:p>
+                <a:r>
+                  <a:rPr lang="en-US">
+                    <a:noFill/>
+                  </a:rPr>
+                  <a:t> </a:t>
+                </a:r>
+              </a:p>
+            </p:txBody>
+          </p:sp>
+        </mc:Fallback>
+      </mc:AlternateContent>
+    </p:spTree>
+    <p:extLst>
+      <p:ext uri="{BB962C8B-B14F-4D97-AF65-F5344CB8AC3E}">
+        <p14:creationId xmlns:p14="http://schemas.microsoft.com/office/powerpoint/2010/main" val="2349924790"/>
+      </p:ext>
+    </p:extLst>
+  </p:cSld>
+  <p:clrMapOvr>
+    <a:masterClrMapping/>
+  </p:clrMapOvr>
+</p:sld>
+</file>
+
+<file path=ppt/slides/slide15.xml><?xml version="1.0" encoding="utf-8"?>
+<p:sld xmlns:a="http://schemas.openxmlformats.org/drawingml/2006/main" xmlns:r="http://schemas.openxmlformats.org/officeDocument/2006/relationships" xmlns:p="http://schemas.openxmlformats.org/presentationml/2006/main">
+  <p:cSld>
+    <p:spTree>
+      <p:nvGrpSpPr>
+        <p:cNvPr id="1" name=""/>
+        <p:cNvGrpSpPr/>
+        <p:nvPr/>
+      </p:nvGrpSpPr>
+      <p:grpSpPr>
+        <a:xfrm>
+          <a:off x="0" y="0"/>
+          <a:ext cx="0" cy="0"/>
+          <a:chOff x="0" y="0"/>
+          <a:chExt cx="0" cy="0"/>
+        </a:xfrm>
+      </p:grpSpPr>
+      <mc:AlternateContent xmlns:mc="http://schemas.openxmlformats.org/markup-compatibility/2006">
+        <mc:Choice xmlns:a14="http://schemas.microsoft.com/office/drawing/2010/main" Requires="a14">
+          <p:sp>
+            <p:nvSpPr>
+              <p:cNvPr id="3" name="Content Placeholder 2"/>
+              <p:cNvSpPr>
+                <a:spLocks noGrp="1"/>
+              </p:cNvSpPr>
+              <p:nvPr>
+                <p:ph idx="1"/>
+              </p:nvPr>
+            </p:nvSpPr>
+            <p:spPr/>
+            <p:txBody>
+              <a:bodyPr/>
+              <a:lstStyle/>
+              <a:p>
+                <a:r>
+                  <a:rPr lang="en-US" dirty="0" smtClean="0"/>
+                  <a:t>The State Diagram of </a:t>
+                </a:r>
+                <a:r>
+                  <a:rPr lang="en-US" dirty="0"/>
+                  <a:t>L={</a:t>
+                </a:r>
+                <a14:m>
+                  <m:oMath xmlns:m="http://schemas.openxmlformats.org/officeDocument/2006/math">
+                    <m:sSup>
+                      <m:sSupPr>
+                        <m:ctrlPr>
+                          <a:rPr lang="en-US" i="1">
+                            <a:latin typeface="Cambria Math" panose="02040503050406030204" pitchFamily="18" charset="0"/>
+                          </a:rPr>
+                        </m:ctrlPr>
+                      </m:sSupPr>
+                      <m:e>
+                        <m:r>
+                          <a:rPr lang="en-US" i="1">
+                            <a:latin typeface="Cambria Math" panose="02040503050406030204" pitchFamily="18" charset="0"/>
+                          </a:rPr>
+                          <m:t>𝑎</m:t>
+                        </m:r>
+                      </m:e>
+                      <m:sup>
+                        <m:r>
+                          <a:rPr lang="en-US" i="1">
+                            <a:latin typeface="Cambria Math" panose="02040503050406030204" pitchFamily="18" charset="0"/>
+                          </a:rPr>
+                          <m:t>𝑛</m:t>
+                        </m:r>
+                      </m:sup>
+                    </m:sSup>
+                  </m:oMath>
+                </a14:m>
+                <a:r>
+                  <a:rPr lang="en-US" dirty="0"/>
+                  <a:t> </a:t>
+                </a:r>
+                <a14:m>
+                  <m:oMath xmlns:m="http://schemas.openxmlformats.org/officeDocument/2006/math">
+                    <m:sSup>
+                      <m:sSupPr>
+                        <m:ctrlPr>
+                          <a:rPr lang="en-US" i="1">
+                            <a:latin typeface="Cambria Math" panose="02040503050406030204" pitchFamily="18" charset="0"/>
+                          </a:rPr>
+                        </m:ctrlPr>
+                      </m:sSupPr>
+                      <m:e>
+                        <m:r>
+                          <a:rPr lang="en-US" i="1">
+                            <a:latin typeface="Cambria Math" panose="02040503050406030204" pitchFamily="18" charset="0"/>
+                          </a:rPr>
+                          <m:t>𝑏</m:t>
+                        </m:r>
+                      </m:e>
+                      <m:sup>
+                        <m:r>
+                          <a:rPr lang="en-US" i="1">
+                            <a:latin typeface="Cambria Math" panose="02040503050406030204" pitchFamily="18" charset="0"/>
+                          </a:rPr>
+                          <m:t>2</m:t>
+                        </m:r>
+                        <m:r>
+                          <a:rPr lang="en-US" i="1">
+                            <a:latin typeface="Cambria Math" panose="02040503050406030204" pitchFamily="18" charset="0"/>
+                          </a:rPr>
+                          <m:t>𝑛</m:t>
+                        </m:r>
+                      </m:sup>
+                    </m:sSup>
+                  </m:oMath>
+                </a14:m>
+                <a:r>
+                  <a:rPr lang="en-US" dirty="0"/>
+                  <a:t> | n ≥ 1</a:t>
+                </a:r>
+                <a:r>
+                  <a:rPr lang="en-US" dirty="0" smtClean="0"/>
+                  <a:t>}.</a:t>
+                </a:r>
                 <a:endParaRPr lang="en-US" dirty="0"/>
               </a:p>
             </p:txBody>
@@ -10380,14 +11446,829 @@
       </p:sp>
       <p:sp>
         <p:nvSpPr>
-          <p:cNvPr id="10" name="Arc 9"/>
+          <p:cNvPr id="6" name="Oval 5"/>
           <p:cNvSpPr/>
           <p:nvPr/>
         </p:nvSpPr>
         <p:spPr>
-          <a:xfrm rot="9158339">
-            <a:off x="6054379" y="2225317"/>
-            <a:ext cx="4655240" cy="2226376"/>
+          <a:xfrm>
+            <a:off x="936573" y="3604602"/>
+            <a:ext cx="874479" cy="894596"/>
+          </a:xfrm>
+          <a:prstGeom prst="ellipse">
+            <a:avLst/>
+          </a:prstGeom>
+          <a:solidFill>
+            <a:srgbClr val="EEF961"/>
+          </a:solidFill>
+          <a:ln>
+            <a:solidFill>
+              <a:schemeClr val="tx2"/>
+            </a:solidFill>
+          </a:ln>
+        </p:spPr>
+        <p:style>
+          <a:lnRef idx="2">
+            <a:schemeClr val="accent1">
+              <a:shade val="50000"/>
+            </a:schemeClr>
+          </a:lnRef>
+          <a:fillRef idx="1">
+            <a:schemeClr val="accent1"/>
+          </a:fillRef>
+          <a:effectRef idx="0">
+            <a:schemeClr val="accent1"/>
+          </a:effectRef>
+          <a:fontRef idx="minor">
+            <a:schemeClr val="lt1"/>
+          </a:fontRef>
+        </p:style>
+        <p:txBody>
+          <a:bodyPr rtlCol="0" anchor="ctr"/>
+          <a:lstStyle/>
+          <a:p>
+            <a:pPr algn="ctr"/>
+            <a:r>
+              <a:rPr lang="en-US" sz="2000" b="1" dirty="0" smtClean="0">
+                <a:solidFill>
+                  <a:schemeClr val="tx1"/>
+                </a:solidFill>
+              </a:rPr>
+              <a:t>q</a:t>
+            </a:r>
+            <a:r>
+              <a:rPr lang="en-US" sz="1300" b="1" dirty="0" smtClean="0">
+                <a:solidFill>
+                  <a:schemeClr val="tx1"/>
+                </a:solidFill>
+              </a:rPr>
+              <a:t>0</a:t>
+            </a:r>
+            <a:endParaRPr lang="en-US" sz="1300" b="1" dirty="0">
+              <a:solidFill>
+                <a:schemeClr val="tx1"/>
+              </a:solidFill>
+            </a:endParaRPr>
+          </a:p>
+        </p:txBody>
+      </p:sp>
+      <p:sp>
+        <p:nvSpPr>
+          <p:cNvPr id="14" name="TextBox 13"/>
+          <p:cNvSpPr txBox="1"/>
+          <p:nvPr/>
+        </p:nvSpPr>
+        <p:spPr>
+          <a:xfrm>
+            <a:off x="936573" y="2462916"/>
+            <a:ext cx="1676473" cy="707886"/>
+          </a:xfrm>
+          <a:prstGeom prst="rect">
+            <a:avLst/>
+          </a:prstGeom>
+          <a:noFill/>
+        </p:spPr>
+        <p:txBody>
+          <a:bodyPr wrap="square" rtlCol="0">
+            <a:spAutoFit/>
+          </a:bodyPr>
+          <a:lstStyle/>
+          <a:p>
+            <a:r>
+              <a:rPr lang="en-US" sz="2000" dirty="0" smtClean="0"/>
+              <a:t>a</a:t>
+            </a:r>
+            <a:r>
+              <a:rPr lang="en-US" sz="2000" dirty="0" smtClean="0"/>
+              <a:t>, Z</a:t>
+            </a:r>
+            <a:r>
+              <a:rPr lang="en-US" sz="1200" dirty="0" smtClean="0"/>
+              <a:t>0</a:t>
+            </a:r>
+            <a:r>
+              <a:rPr lang="en-US" sz="2000" dirty="0" smtClean="0"/>
+              <a:t> / </a:t>
+            </a:r>
+            <a:r>
+              <a:rPr lang="en-US" sz="2000" dirty="0" smtClean="0"/>
+              <a:t>aZ</a:t>
+            </a:r>
+            <a:r>
+              <a:rPr lang="en-US" sz="1200" dirty="0" smtClean="0"/>
+              <a:t>0</a:t>
+            </a:r>
+            <a:endParaRPr lang="en-US" sz="1200" dirty="0" smtClean="0"/>
+          </a:p>
+          <a:p>
+            <a:r>
+              <a:rPr lang="en-US" sz="2000" dirty="0"/>
+              <a:t>a, </a:t>
+            </a:r>
+            <a:r>
+              <a:rPr lang="en-US" sz="2000" dirty="0" smtClean="0"/>
+              <a:t>a </a:t>
+            </a:r>
+            <a:r>
+              <a:rPr lang="en-US" sz="2000" dirty="0"/>
+              <a:t>/ </a:t>
+            </a:r>
+            <a:r>
+              <a:rPr lang="en-US" sz="2000" dirty="0" smtClean="0"/>
+              <a:t>aaZ</a:t>
+            </a:r>
+            <a:r>
+              <a:rPr lang="en-US" sz="1200" dirty="0" smtClean="0"/>
+              <a:t>0</a:t>
+            </a:r>
+            <a:endParaRPr lang="en-US" sz="1200" dirty="0" smtClean="0"/>
+          </a:p>
+        </p:txBody>
+      </p:sp>
+      <p:sp>
+        <p:nvSpPr>
+          <p:cNvPr id="15" name="Freeform 14"/>
+          <p:cNvSpPr/>
+          <p:nvPr/>
+        </p:nvSpPr>
+        <p:spPr>
+          <a:xfrm>
+            <a:off x="969901" y="3138536"/>
+            <a:ext cx="820367" cy="577718"/>
+          </a:xfrm>
+          <a:custGeom>
+            <a:avLst/>
+            <a:gdLst>
+              <a:gd name="connsiteX0" fmla="*/ 698626 w 820367"/>
+              <a:gd name="connsiteY0" fmla="*/ 577718 h 577718"/>
+              <a:gd name="connsiteX1" fmla="*/ 818941 w 820367"/>
+              <a:gd name="connsiteY1" fmla="*/ 264897 h 577718"/>
+              <a:gd name="connsiteX2" fmla="*/ 626436 w 820367"/>
+              <a:gd name="connsiteY2" fmla="*/ 96455 h 577718"/>
+              <a:gd name="connsiteX3" fmla="*/ 289552 w 820367"/>
+              <a:gd name="connsiteY3" fmla="*/ 203 h 577718"/>
+              <a:gd name="connsiteX4" fmla="*/ 24857 w 820367"/>
+              <a:gd name="connsiteY4" fmla="*/ 120518 h 577718"/>
+              <a:gd name="connsiteX5" fmla="*/ 24857 w 820367"/>
+              <a:gd name="connsiteY5" fmla="*/ 313024 h 577718"/>
+              <a:gd name="connsiteX6" fmla="*/ 145173 w 820367"/>
+              <a:gd name="connsiteY6" fmla="*/ 457403 h 577718"/>
+              <a:gd name="connsiteX7" fmla="*/ 193299 w 820367"/>
+              <a:gd name="connsiteY7" fmla="*/ 505529 h 577718"/>
+            </a:gdLst>
+            <a:ahLst/>
+            <a:cxnLst>
+              <a:cxn ang="0">
+                <a:pos x="connsiteX0" y="connsiteY0"/>
+              </a:cxn>
+              <a:cxn ang="0">
+                <a:pos x="connsiteX1" y="connsiteY1"/>
+              </a:cxn>
+              <a:cxn ang="0">
+                <a:pos x="connsiteX2" y="connsiteY2"/>
+              </a:cxn>
+              <a:cxn ang="0">
+                <a:pos x="connsiteX3" y="connsiteY3"/>
+              </a:cxn>
+              <a:cxn ang="0">
+                <a:pos x="connsiteX4" y="connsiteY4"/>
+              </a:cxn>
+              <a:cxn ang="0">
+                <a:pos x="connsiteX5" y="connsiteY5"/>
+              </a:cxn>
+              <a:cxn ang="0">
+                <a:pos x="connsiteX6" y="connsiteY6"/>
+              </a:cxn>
+              <a:cxn ang="0">
+                <a:pos x="connsiteX7" y="connsiteY7"/>
+              </a:cxn>
+            </a:cxnLst>
+            <a:rect l="l" t="t" r="r" b="b"/>
+            <a:pathLst>
+              <a:path w="820367" h="577718">
+                <a:moveTo>
+                  <a:pt x="698626" y="577718"/>
+                </a:moveTo>
+                <a:cubicBezTo>
+                  <a:pt x="764799" y="461412"/>
+                  <a:pt x="830973" y="345107"/>
+                  <a:pt x="818941" y="264897"/>
+                </a:cubicBezTo>
+                <a:cubicBezTo>
+                  <a:pt x="806909" y="184686"/>
+                  <a:pt x="714667" y="140571"/>
+                  <a:pt x="626436" y="96455"/>
+                </a:cubicBezTo>
+                <a:cubicBezTo>
+                  <a:pt x="538205" y="52339"/>
+                  <a:pt x="389815" y="-3807"/>
+                  <a:pt x="289552" y="203"/>
+                </a:cubicBezTo>
+                <a:cubicBezTo>
+                  <a:pt x="189289" y="4213"/>
+                  <a:pt x="68973" y="68381"/>
+                  <a:pt x="24857" y="120518"/>
+                </a:cubicBezTo>
+                <a:cubicBezTo>
+                  <a:pt x="-19259" y="172655"/>
+                  <a:pt x="4804" y="256877"/>
+                  <a:pt x="24857" y="313024"/>
+                </a:cubicBezTo>
+                <a:cubicBezTo>
+                  <a:pt x="44910" y="369171"/>
+                  <a:pt x="117099" y="425319"/>
+                  <a:pt x="145173" y="457403"/>
+                </a:cubicBezTo>
+                <a:cubicBezTo>
+                  <a:pt x="173247" y="489487"/>
+                  <a:pt x="183273" y="497508"/>
+                  <a:pt x="193299" y="505529"/>
+                </a:cubicBezTo>
+              </a:path>
+            </a:pathLst>
+          </a:custGeom>
+          <a:noFill/>
+          <a:ln>
+            <a:solidFill>
+              <a:schemeClr val="tx1"/>
+            </a:solidFill>
+          </a:ln>
+        </p:spPr>
+        <p:style>
+          <a:lnRef idx="2">
+            <a:schemeClr val="accent1">
+              <a:shade val="50000"/>
+            </a:schemeClr>
+          </a:lnRef>
+          <a:fillRef idx="1">
+            <a:schemeClr val="accent1"/>
+          </a:fillRef>
+          <a:effectRef idx="0">
+            <a:schemeClr val="accent1"/>
+          </a:effectRef>
+          <a:fontRef idx="minor">
+            <a:schemeClr val="lt1"/>
+          </a:fontRef>
+        </p:style>
+        <p:txBody>
+          <a:bodyPr rtlCol="0" anchor="ctr"/>
+          <a:lstStyle/>
+          <a:p>
+            <a:pPr algn="ctr"/>
+            <a:endParaRPr lang="en-US">
+              <a:solidFill>
+                <a:schemeClr val="tx1"/>
+              </a:solidFill>
+            </a:endParaRPr>
+          </a:p>
+        </p:txBody>
+      </p:sp>
+      <p:cxnSp>
+        <p:nvCxnSpPr>
+          <p:cNvPr id="16" name="Straight Connector 15"/>
+          <p:cNvCxnSpPr>
+            <a:endCxn id="15" idx="7"/>
+          </p:cNvCxnSpPr>
+          <p:nvPr/>
+        </p:nvCxnSpPr>
+        <p:spPr>
+          <a:xfrm>
+            <a:off x="969901" y="3599803"/>
+            <a:ext cx="193299" cy="44262"/>
+          </a:xfrm>
+          <a:prstGeom prst="line">
+            <a:avLst/>
+          </a:prstGeom>
+        </p:spPr>
+        <p:style>
+          <a:lnRef idx="1">
+            <a:schemeClr val="dk1"/>
+          </a:lnRef>
+          <a:fillRef idx="0">
+            <a:schemeClr val="dk1"/>
+          </a:fillRef>
+          <a:effectRef idx="0">
+            <a:schemeClr val="dk1"/>
+          </a:effectRef>
+          <a:fontRef idx="minor">
+            <a:schemeClr val="tx1"/>
+          </a:fontRef>
+        </p:style>
+      </p:cxnSp>
+      <p:cxnSp>
+        <p:nvCxnSpPr>
+          <p:cNvPr id="17" name="Straight Connector 16"/>
+          <p:cNvCxnSpPr/>
+          <p:nvPr/>
+        </p:nvCxnSpPr>
+        <p:spPr>
+          <a:xfrm flipH="1">
+            <a:off x="1147161" y="3435734"/>
+            <a:ext cx="34188" cy="192290"/>
+          </a:xfrm>
+          <a:prstGeom prst="line">
+            <a:avLst/>
+          </a:prstGeom>
+        </p:spPr>
+        <p:style>
+          <a:lnRef idx="1">
+            <a:schemeClr val="dk1"/>
+          </a:lnRef>
+          <a:fillRef idx="0">
+            <a:schemeClr val="dk1"/>
+          </a:fillRef>
+          <a:effectRef idx="0">
+            <a:schemeClr val="dk1"/>
+          </a:effectRef>
+          <a:fontRef idx="minor">
+            <a:schemeClr val="tx1"/>
+          </a:fontRef>
+        </p:style>
+      </p:cxnSp>
+      <p:sp>
+        <p:nvSpPr>
+          <p:cNvPr id="23" name="Oval 22"/>
+          <p:cNvSpPr/>
+          <p:nvPr/>
+        </p:nvSpPr>
+        <p:spPr>
+          <a:xfrm>
+            <a:off x="4114966" y="3604602"/>
+            <a:ext cx="874479" cy="894596"/>
+          </a:xfrm>
+          <a:prstGeom prst="ellipse">
+            <a:avLst/>
+          </a:prstGeom>
+          <a:solidFill>
+            <a:srgbClr val="EEF961"/>
+          </a:solidFill>
+          <a:ln>
+            <a:solidFill>
+              <a:schemeClr val="tx2"/>
+            </a:solidFill>
+          </a:ln>
+        </p:spPr>
+        <p:style>
+          <a:lnRef idx="2">
+            <a:schemeClr val="accent1">
+              <a:shade val="50000"/>
+            </a:schemeClr>
+          </a:lnRef>
+          <a:fillRef idx="1">
+            <a:schemeClr val="accent1"/>
+          </a:fillRef>
+          <a:effectRef idx="0">
+            <a:schemeClr val="accent1"/>
+          </a:effectRef>
+          <a:fontRef idx="minor">
+            <a:schemeClr val="lt1"/>
+          </a:fontRef>
+        </p:style>
+        <p:txBody>
+          <a:bodyPr rtlCol="0" anchor="ctr"/>
+          <a:lstStyle/>
+          <a:p>
+            <a:pPr algn="ctr"/>
+            <a:r>
+              <a:rPr lang="en-US" sz="2000" b="1" dirty="0" smtClean="0">
+                <a:solidFill>
+                  <a:schemeClr val="tx1"/>
+                </a:solidFill>
+              </a:rPr>
+              <a:t>q</a:t>
+            </a:r>
+            <a:r>
+              <a:rPr lang="en-US" sz="1300" b="1" dirty="0" smtClean="0">
+                <a:solidFill>
+                  <a:schemeClr val="tx1"/>
+                </a:solidFill>
+              </a:rPr>
+              <a:t>1</a:t>
+            </a:r>
+            <a:endParaRPr lang="en-US" sz="1300" b="1" dirty="0">
+              <a:solidFill>
+                <a:schemeClr val="tx1"/>
+              </a:solidFill>
+            </a:endParaRPr>
+          </a:p>
+        </p:txBody>
+      </p:sp>
+      <p:cxnSp>
+        <p:nvCxnSpPr>
+          <p:cNvPr id="25" name="Straight Arrow Connector 24"/>
+          <p:cNvCxnSpPr>
+            <a:stCxn id="6" idx="6"/>
+            <a:endCxn id="23" idx="2"/>
+          </p:cNvCxnSpPr>
+          <p:nvPr/>
+        </p:nvCxnSpPr>
+        <p:spPr>
+          <a:xfrm>
+            <a:off x="1811052" y="4051900"/>
+            <a:ext cx="2303914" cy="0"/>
+          </a:xfrm>
+          <a:prstGeom prst="straightConnector1">
+            <a:avLst/>
+          </a:prstGeom>
+          <a:ln>
+            <a:tailEnd type="triangle"/>
+          </a:ln>
+        </p:spPr>
+        <p:style>
+          <a:lnRef idx="1">
+            <a:schemeClr val="dk1"/>
+          </a:lnRef>
+          <a:fillRef idx="0">
+            <a:schemeClr val="dk1"/>
+          </a:fillRef>
+          <a:effectRef idx="0">
+            <a:schemeClr val="dk1"/>
+          </a:effectRef>
+          <a:fontRef idx="minor">
+            <a:schemeClr val="tx1"/>
+          </a:fontRef>
+        </p:style>
+      </p:cxnSp>
+      <p:sp>
+        <p:nvSpPr>
+          <p:cNvPr id="28" name="TextBox 27"/>
+          <p:cNvSpPr txBox="1"/>
+          <p:nvPr/>
+        </p:nvSpPr>
+        <p:spPr>
+          <a:xfrm>
+            <a:off x="2465033" y="3728970"/>
+            <a:ext cx="1142398" cy="400110"/>
+          </a:xfrm>
+          <a:prstGeom prst="rect">
+            <a:avLst/>
+          </a:prstGeom>
+          <a:noFill/>
+        </p:spPr>
+        <p:txBody>
+          <a:bodyPr wrap="square" rtlCol="0">
+            <a:spAutoFit/>
+          </a:bodyPr>
+          <a:lstStyle/>
+          <a:p>
+            <a:r>
+              <a:rPr lang="en-US" sz="2000" dirty="0"/>
+              <a:t>b, </a:t>
+            </a:r>
+            <a:r>
+              <a:rPr lang="en-US" sz="2000" dirty="0" smtClean="0"/>
+              <a:t>a </a:t>
+            </a:r>
+            <a:r>
+              <a:rPr lang="en-US" sz="2000" dirty="0"/>
+              <a:t>/ </a:t>
+            </a:r>
+            <a:r>
+              <a:rPr lang="en-US" sz="2000" dirty="0" smtClean="0"/>
+              <a:t>a</a:t>
+            </a:r>
+            <a:endParaRPr lang="en-US" sz="2000" dirty="0"/>
+          </a:p>
+        </p:txBody>
+      </p:sp>
+      <p:cxnSp>
+        <p:nvCxnSpPr>
+          <p:cNvPr id="31" name="Straight Arrow Connector 30"/>
+          <p:cNvCxnSpPr/>
+          <p:nvPr/>
+        </p:nvCxnSpPr>
+        <p:spPr>
+          <a:xfrm>
+            <a:off x="8178939" y="4051900"/>
+            <a:ext cx="2303914" cy="0"/>
+          </a:xfrm>
+          <a:prstGeom prst="straightConnector1">
+            <a:avLst/>
+          </a:prstGeom>
+          <a:ln>
+            <a:tailEnd type="triangle"/>
+          </a:ln>
+        </p:spPr>
+        <p:style>
+          <a:lnRef idx="1">
+            <a:schemeClr val="dk1"/>
+          </a:lnRef>
+          <a:fillRef idx="0">
+            <a:schemeClr val="dk1"/>
+          </a:fillRef>
+          <a:effectRef idx="0">
+            <a:schemeClr val="dk1"/>
+          </a:effectRef>
+          <a:fontRef idx="minor">
+            <a:schemeClr val="tx1"/>
+          </a:fontRef>
+        </p:style>
+      </p:cxnSp>
+      <p:sp>
+        <p:nvSpPr>
+          <p:cNvPr id="32" name="TextBox 31"/>
+          <p:cNvSpPr txBox="1"/>
+          <p:nvPr/>
+        </p:nvSpPr>
+        <p:spPr>
+          <a:xfrm>
+            <a:off x="8759697" y="3716254"/>
+            <a:ext cx="1252246" cy="400110"/>
+          </a:xfrm>
+          <a:prstGeom prst="rect">
+            <a:avLst/>
+          </a:prstGeom>
+          <a:noFill/>
+        </p:spPr>
+        <p:txBody>
+          <a:bodyPr wrap="square" rtlCol="0">
+            <a:spAutoFit/>
+          </a:bodyPr>
+          <a:lstStyle/>
+          <a:p>
+            <a:r>
+              <a:rPr lang="el-GR" sz="2000" dirty="0" smtClean="0"/>
+              <a:t>λ</a:t>
+            </a:r>
+            <a:r>
+              <a:rPr lang="en-US" sz="2000" dirty="0" smtClean="0"/>
+              <a:t>, Z</a:t>
+            </a:r>
+            <a:r>
+              <a:rPr lang="en-US" sz="1200" dirty="0" smtClean="0"/>
+              <a:t>0</a:t>
+            </a:r>
+            <a:r>
+              <a:rPr lang="en-US" sz="2000" dirty="0" smtClean="0"/>
+              <a:t> / Z</a:t>
+            </a:r>
+            <a:r>
+              <a:rPr lang="en-US" sz="1200" dirty="0" smtClean="0"/>
+              <a:t>0</a:t>
+            </a:r>
+            <a:endParaRPr lang="en-US" sz="1200" dirty="0"/>
+          </a:p>
+        </p:txBody>
+      </p:sp>
+      <p:sp>
+        <p:nvSpPr>
+          <p:cNvPr id="33" name="Oval 32"/>
+          <p:cNvSpPr/>
+          <p:nvPr/>
+        </p:nvSpPr>
+        <p:spPr>
+          <a:xfrm>
+            <a:off x="10476603" y="3531402"/>
+            <a:ext cx="1003048" cy="1040995"/>
+          </a:xfrm>
+          <a:prstGeom prst="ellipse">
+            <a:avLst/>
+          </a:prstGeom>
+        </p:spPr>
+        <p:style>
+          <a:lnRef idx="2">
+            <a:schemeClr val="dk1"/>
+          </a:lnRef>
+          <a:fillRef idx="1">
+            <a:schemeClr val="lt1"/>
+          </a:fillRef>
+          <a:effectRef idx="0">
+            <a:schemeClr val="dk1"/>
+          </a:effectRef>
+          <a:fontRef idx="minor">
+            <a:schemeClr val="dk1"/>
+          </a:fontRef>
+        </p:style>
+        <p:txBody>
+          <a:bodyPr rtlCol="0" anchor="ctr"/>
+          <a:lstStyle/>
+          <a:p>
+            <a:pPr algn="ctr"/>
+            <a:endParaRPr lang="en-US"/>
+          </a:p>
+        </p:txBody>
+      </p:sp>
+      <p:sp>
+        <p:nvSpPr>
+          <p:cNvPr id="34" name="Oval 33"/>
+          <p:cNvSpPr/>
+          <p:nvPr/>
+        </p:nvSpPr>
+        <p:spPr>
+          <a:xfrm>
+            <a:off x="10545411" y="3604602"/>
+            <a:ext cx="874479" cy="894596"/>
+          </a:xfrm>
+          <a:prstGeom prst="ellipse">
+            <a:avLst/>
+          </a:prstGeom>
+          <a:solidFill>
+            <a:srgbClr val="EEF961"/>
+          </a:solidFill>
+          <a:ln>
+            <a:solidFill>
+              <a:schemeClr val="tx2"/>
+            </a:solidFill>
+          </a:ln>
+        </p:spPr>
+        <p:style>
+          <a:lnRef idx="2">
+            <a:schemeClr val="accent1">
+              <a:shade val="50000"/>
+            </a:schemeClr>
+          </a:lnRef>
+          <a:fillRef idx="1">
+            <a:schemeClr val="accent1"/>
+          </a:fillRef>
+          <a:effectRef idx="0">
+            <a:schemeClr val="accent1"/>
+          </a:effectRef>
+          <a:fontRef idx="minor">
+            <a:schemeClr val="lt1"/>
+          </a:fontRef>
+        </p:style>
+        <p:txBody>
+          <a:bodyPr rtlCol="0" anchor="ctr"/>
+          <a:lstStyle/>
+          <a:p>
+            <a:pPr algn="ctr"/>
+            <a:r>
+              <a:rPr lang="en-US" sz="2000" b="1" dirty="0" smtClean="0">
+                <a:solidFill>
+                  <a:schemeClr val="tx1"/>
+                </a:solidFill>
+              </a:rPr>
+              <a:t>q</a:t>
+            </a:r>
+            <a:r>
+              <a:rPr lang="en-US" sz="1300" b="1" dirty="0" smtClean="0">
+                <a:solidFill>
+                  <a:schemeClr val="tx1"/>
+                </a:solidFill>
+              </a:rPr>
+              <a:t>f</a:t>
+            </a:r>
+            <a:endParaRPr lang="en-US" sz="1300" b="1" dirty="0">
+              <a:solidFill>
+                <a:schemeClr val="tx1"/>
+              </a:solidFill>
+            </a:endParaRPr>
+          </a:p>
+        </p:txBody>
+      </p:sp>
+      <p:sp>
+        <p:nvSpPr>
+          <p:cNvPr id="24" name="Oval 23"/>
+          <p:cNvSpPr/>
+          <p:nvPr/>
+        </p:nvSpPr>
+        <p:spPr>
+          <a:xfrm>
+            <a:off x="7293359" y="3575113"/>
+            <a:ext cx="874479" cy="894596"/>
+          </a:xfrm>
+          <a:prstGeom prst="ellipse">
+            <a:avLst/>
+          </a:prstGeom>
+          <a:solidFill>
+            <a:srgbClr val="EEF961"/>
+          </a:solidFill>
+          <a:ln>
+            <a:solidFill>
+              <a:schemeClr val="tx2"/>
+            </a:solidFill>
+          </a:ln>
+        </p:spPr>
+        <p:style>
+          <a:lnRef idx="2">
+            <a:schemeClr val="accent1">
+              <a:shade val="50000"/>
+            </a:schemeClr>
+          </a:lnRef>
+          <a:fillRef idx="1">
+            <a:schemeClr val="accent1"/>
+          </a:fillRef>
+          <a:effectRef idx="0">
+            <a:schemeClr val="accent1"/>
+          </a:effectRef>
+          <a:fontRef idx="minor">
+            <a:schemeClr val="lt1"/>
+          </a:fontRef>
+        </p:style>
+        <p:txBody>
+          <a:bodyPr rtlCol="0" anchor="ctr"/>
+          <a:lstStyle/>
+          <a:p>
+            <a:pPr algn="ctr"/>
+            <a:r>
+              <a:rPr lang="en-US" sz="2000" b="1" dirty="0" smtClean="0">
+                <a:solidFill>
+                  <a:schemeClr val="tx1"/>
+                </a:solidFill>
+              </a:rPr>
+              <a:t>q</a:t>
+            </a:r>
+            <a:r>
+              <a:rPr lang="en-US" sz="1300" b="1" dirty="0" smtClean="0">
+                <a:solidFill>
+                  <a:schemeClr val="tx1"/>
+                </a:solidFill>
+              </a:rPr>
+              <a:t>2</a:t>
+            </a:r>
+            <a:endParaRPr lang="en-US" sz="1300" b="1" dirty="0">
+              <a:solidFill>
+                <a:schemeClr val="tx1"/>
+              </a:solidFill>
+            </a:endParaRPr>
+          </a:p>
+        </p:txBody>
+      </p:sp>
+      <p:cxnSp>
+        <p:nvCxnSpPr>
+          <p:cNvPr id="26" name="Straight Arrow Connector 25"/>
+          <p:cNvCxnSpPr/>
+          <p:nvPr/>
+        </p:nvCxnSpPr>
+        <p:spPr>
+          <a:xfrm>
+            <a:off x="4989445" y="4051899"/>
+            <a:ext cx="2303914" cy="0"/>
+          </a:xfrm>
+          <a:prstGeom prst="straightConnector1">
+            <a:avLst/>
+          </a:prstGeom>
+          <a:ln>
+            <a:tailEnd type="triangle"/>
+          </a:ln>
+        </p:spPr>
+        <p:style>
+          <a:lnRef idx="1">
+            <a:schemeClr val="dk1"/>
+          </a:lnRef>
+          <a:fillRef idx="0">
+            <a:schemeClr val="dk1"/>
+          </a:fillRef>
+          <a:effectRef idx="0">
+            <a:schemeClr val="dk1"/>
+          </a:effectRef>
+          <a:fontRef idx="minor">
+            <a:schemeClr val="tx1"/>
+          </a:fontRef>
+        </p:style>
+      </p:cxnSp>
+      <p:sp>
+        <p:nvSpPr>
+          <p:cNvPr id="27" name="TextBox 26"/>
+          <p:cNvSpPr txBox="1"/>
+          <p:nvPr/>
+        </p:nvSpPr>
+        <p:spPr>
+          <a:xfrm>
+            <a:off x="5464142" y="3728970"/>
+            <a:ext cx="1142398" cy="400110"/>
+          </a:xfrm>
+          <a:prstGeom prst="rect">
+            <a:avLst/>
+          </a:prstGeom>
+          <a:noFill/>
+        </p:spPr>
+        <p:txBody>
+          <a:bodyPr wrap="square" rtlCol="0">
+            <a:spAutoFit/>
+          </a:bodyPr>
+          <a:lstStyle/>
+          <a:p>
+            <a:r>
+              <a:rPr lang="en-US" sz="2000" dirty="0"/>
+              <a:t>b, </a:t>
+            </a:r>
+            <a:r>
+              <a:rPr lang="en-US" sz="2000" dirty="0" smtClean="0"/>
+              <a:t>a </a:t>
+            </a:r>
+            <a:r>
+              <a:rPr lang="en-US" sz="2000" dirty="0"/>
+              <a:t>/ </a:t>
+            </a:r>
+            <a:r>
+              <a:rPr lang="el-GR" sz="2000" dirty="0" smtClean="0"/>
+              <a:t>λ</a:t>
+            </a:r>
+            <a:endParaRPr lang="en-US" sz="2000" dirty="0"/>
+          </a:p>
+        </p:txBody>
+      </p:sp>
+      <p:sp>
+        <p:nvSpPr>
+          <p:cNvPr id="7" name="Arc 6"/>
+          <p:cNvSpPr/>
+          <p:nvPr/>
+        </p:nvSpPr>
+        <p:spPr>
+          <a:xfrm rot="8342104">
+            <a:off x="4082146" y="909996"/>
+            <a:ext cx="4744669" cy="4067439"/>
           </a:xfrm>
           <a:prstGeom prst="arc">
             <a:avLst/>
@@ -10416,34 +12297,2073 @@
           </a:p>
         </p:txBody>
       </p:sp>
+      <p:cxnSp>
+        <p:nvCxnSpPr>
+          <p:cNvPr id="10" name="Straight Connector 9"/>
+          <p:cNvCxnSpPr>
+            <a:stCxn id="7" idx="2"/>
+          </p:cNvCxnSpPr>
+          <p:nvPr/>
+        </p:nvCxnSpPr>
+        <p:spPr>
+          <a:xfrm>
+            <a:off x="4663104" y="4499011"/>
+            <a:ext cx="37233" cy="228787"/>
+          </a:xfrm>
+          <a:prstGeom prst="line">
+            <a:avLst/>
+          </a:prstGeom>
+        </p:spPr>
+        <p:style>
+          <a:lnRef idx="1">
+            <a:schemeClr val="dk1"/>
+          </a:lnRef>
+          <a:fillRef idx="0">
+            <a:schemeClr val="dk1"/>
+          </a:fillRef>
+          <a:effectRef idx="0">
+            <a:schemeClr val="dk1"/>
+          </a:effectRef>
+          <a:fontRef idx="minor">
+            <a:schemeClr val="tx1"/>
+          </a:fontRef>
+        </p:style>
+      </p:cxnSp>
+      <p:cxnSp>
+        <p:nvCxnSpPr>
+          <p:cNvPr id="29" name="Straight Connector 28"/>
+          <p:cNvCxnSpPr/>
+          <p:nvPr/>
+        </p:nvCxnSpPr>
+        <p:spPr>
+          <a:xfrm flipV="1">
+            <a:off x="4671658" y="4501702"/>
+            <a:ext cx="198800" cy="187"/>
+          </a:xfrm>
+          <a:prstGeom prst="line">
+            <a:avLst/>
+          </a:prstGeom>
+        </p:spPr>
+        <p:style>
+          <a:lnRef idx="1">
+            <a:schemeClr val="dk1"/>
+          </a:lnRef>
+          <a:fillRef idx="0">
+            <a:schemeClr val="dk1"/>
+          </a:fillRef>
+          <a:effectRef idx="0">
+            <a:schemeClr val="dk1"/>
+          </a:effectRef>
+          <a:fontRef idx="minor">
+            <a:schemeClr val="tx1"/>
+          </a:fontRef>
+        </p:style>
+      </p:cxnSp>
+      <p:sp>
+        <p:nvSpPr>
+          <p:cNvPr id="35" name="TextBox 34"/>
+          <p:cNvSpPr txBox="1"/>
+          <p:nvPr/>
+        </p:nvSpPr>
+        <p:spPr>
+          <a:xfrm>
+            <a:off x="5464142" y="5172760"/>
+            <a:ext cx="1142398" cy="400110"/>
+          </a:xfrm>
+          <a:prstGeom prst="rect">
+            <a:avLst/>
+          </a:prstGeom>
+          <a:noFill/>
+        </p:spPr>
+        <p:txBody>
+          <a:bodyPr wrap="square" rtlCol="0">
+            <a:spAutoFit/>
+          </a:bodyPr>
+          <a:lstStyle/>
+          <a:p>
+            <a:r>
+              <a:rPr lang="en-US" sz="2000" dirty="0"/>
+              <a:t>b, </a:t>
+            </a:r>
+            <a:r>
+              <a:rPr lang="en-US" sz="2000" dirty="0" smtClean="0"/>
+              <a:t>a </a:t>
+            </a:r>
+            <a:r>
+              <a:rPr lang="en-US" sz="2000" dirty="0"/>
+              <a:t>/ </a:t>
+            </a:r>
+            <a:r>
+              <a:rPr lang="en-US" sz="2000" dirty="0" smtClean="0"/>
+              <a:t>a</a:t>
+            </a:r>
+            <a:endParaRPr lang="en-US" sz="2000" dirty="0"/>
+          </a:p>
+        </p:txBody>
+      </p:sp>
+    </p:spTree>
+    <p:extLst>
+      <p:ext uri="{BB962C8B-B14F-4D97-AF65-F5344CB8AC3E}">
+        <p14:creationId xmlns:p14="http://schemas.microsoft.com/office/powerpoint/2010/main" val="3955197903"/>
+      </p:ext>
+    </p:extLst>
+  </p:cSld>
+  <p:clrMapOvr>
+    <a:masterClrMapping/>
+  </p:clrMapOvr>
+</p:sld>
+</file>
+
+<file path=ppt/slides/slide16.xml><?xml version="1.0" encoding="utf-8"?>
+<p:sld xmlns:a="http://schemas.openxmlformats.org/drawingml/2006/main" xmlns:r="http://schemas.openxmlformats.org/officeDocument/2006/relationships" xmlns:p="http://schemas.openxmlformats.org/presentationml/2006/main">
+  <p:cSld>
+    <p:spTree>
+      <p:nvGrpSpPr>
+        <p:cNvPr id="1" name=""/>
+        <p:cNvGrpSpPr/>
+        <p:nvPr/>
+      </p:nvGrpSpPr>
+      <p:grpSpPr>
+        <a:xfrm>
+          <a:off x="0" y="0"/>
+          <a:ext cx="0" cy="0"/>
+          <a:chOff x="0" y="0"/>
+          <a:chExt cx="0" cy="0"/>
+        </a:xfrm>
+      </p:grpSpPr>
+      <p:sp>
+        <p:nvSpPr>
+          <p:cNvPr id="2" name="Title 1"/>
+          <p:cNvSpPr>
+            <a:spLocks noGrp="1"/>
+          </p:cNvSpPr>
+          <p:nvPr>
+            <p:ph type="title"/>
+          </p:nvPr>
+        </p:nvSpPr>
+        <p:spPr/>
+        <p:txBody>
+          <a:bodyPr/>
+          <a:lstStyle/>
+          <a:p>
+            <a:r>
+              <a:rPr lang="en-US" dirty="0" smtClean="0"/>
+              <a:t>Example of </a:t>
+            </a:r>
+            <a:r>
+              <a:rPr lang="en-US" dirty="0"/>
+              <a:t>Non Deterministic PDA:</a:t>
+            </a:r>
+          </a:p>
+        </p:txBody>
+      </p:sp>
+      <p:sp>
+        <p:nvSpPr>
+          <p:cNvPr id="3" name="Content Placeholder 2"/>
+          <p:cNvSpPr>
+            <a:spLocks noGrp="1"/>
+          </p:cNvSpPr>
+          <p:nvPr>
+            <p:ph idx="1"/>
+          </p:nvPr>
+        </p:nvSpPr>
+        <p:spPr>
+          <a:xfrm>
+            <a:off x="2589212" y="2133600"/>
+            <a:ext cx="9297988" cy="4876800"/>
+          </a:xfrm>
+        </p:spPr>
+        <p:txBody>
+          <a:bodyPr>
+            <a:normAutofit/>
+          </a:bodyPr>
+          <a:lstStyle/>
+          <a:p>
+            <a:r>
+              <a:rPr lang="en-US" dirty="0" smtClean="0"/>
+              <a:t>The </a:t>
+            </a:r>
+            <a:r>
+              <a:rPr lang="en-US" dirty="0"/>
+              <a:t>transitions (Instantaneous Descriptions</a:t>
+            </a:r>
+            <a:r>
+              <a:rPr lang="en-US" dirty="0" smtClean="0"/>
+              <a:t>):</a:t>
+            </a:r>
+            <a:endParaRPr lang="en-US" dirty="0" smtClean="0"/>
+          </a:p>
+          <a:p>
+            <a:pPr lvl="1"/>
+            <a:r>
+              <a:rPr lang="el-GR" sz="1800" dirty="0" smtClean="0"/>
+              <a:t>δ</a:t>
+            </a:r>
+            <a:r>
+              <a:rPr lang="en-US" sz="1800" dirty="0" smtClean="0"/>
+              <a:t> </a:t>
+            </a:r>
+            <a:r>
+              <a:rPr lang="en-US" sz="1800" dirty="0"/>
+              <a:t>(</a:t>
+            </a:r>
+            <a:r>
+              <a:rPr lang="en-US" sz="1800" dirty="0" smtClean="0"/>
+              <a:t>q</a:t>
+            </a:r>
+            <a:r>
+              <a:rPr lang="en-US" sz="1200" dirty="0" smtClean="0"/>
+              <a:t>0</a:t>
+            </a:r>
+            <a:r>
+              <a:rPr lang="en-US" sz="1800" dirty="0" smtClean="0"/>
+              <a:t>, </a:t>
+            </a:r>
+            <a:r>
+              <a:rPr lang="en-US" sz="1800" dirty="0" smtClean="0"/>
+              <a:t>a, </a:t>
+            </a:r>
+            <a:r>
+              <a:rPr lang="en-US" sz="1800" dirty="0"/>
+              <a:t>Z</a:t>
+            </a:r>
+            <a:r>
+              <a:rPr lang="en-US" sz="1200" dirty="0"/>
+              <a:t>0</a:t>
+            </a:r>
+            <a:r>
+              <a:rPr lang="en-US" sz="1800" dirty="0" smtClean="0"/>
+              <a:t>) = </a:t>
+            </a:r>
+            <a:r>
+              <a:rPr lang="en-US" sz="1800" dirty="0"/>
+              <a:t>{(q</a:t>
+            </a:r>
+            <a:r>
+              <a:rPr lang="en-US" sz="1200" dirty="0"/>
+              <a:t>0</a:t>
+            </a:r>
+            <a:r>
+              <a:rPr lang="en-US" sz="1800" dirty="0" smtClean="0"/>
+              <a:t>, aZ</a:t>
+            </a:r>
+            <a:r>
+              <a:rPr lang="en-US" sz="1200" dirty="0" smtClean="0"/>
+              <a:t>0</a:t>
+            </a:r>
+            <a:r>
+              <a:rPr lang="en-US" sz="1800" dirty="0" smtClean="0"/>
+              <a:t>)}</a:t>
+            </a:r>
+          </a:p>
+          <a:p>
+            <a:pPr lvl="1"/>
+            <a:r>
+              <a:rPr lang="el-GR" sz="1800" dirty="0"/>
+              <a:t>δ</a:t>
+            </a:r>
+            <a:r>
+              <a:rPr lang="en-US" sz="1800" dirty="0"/>
+              <a:t> </a:t>
+            </a:r>
+            <a:r>
+              <a:rPr lang="en-US" sz="1800" dirty="0"/>
+              <a:t>(q</a:t>
+            </a:r>
+            <a:r>
+              <a:rPr lang="en-US" sz="1200" dirty="0"/>
+              <a:t>0</a:t>
+            </a:r>
+            <a:r>
+              <a:rPr lang="en-US" sz="1800" dirty="0" smtClean="0"/>
+              <a:t>, </a:t>
+            </a:r>
+            <a:r>
+              <a:rPr lang="en-US" sz="1800" dirty="0" smtClean="0"/>
+              <a:t>a, </a:t>
+            </a:r>
+            <a:r>
+              <a:rPr lang="en-US" sz="1800" dirty="0" smtClean="0"/>
+              <a:t>a) </a:t>
+            </a:r>
+            <a:r>
+              <a:rPr lang="en-US" sz="1800" dirty="0"/>
+              <a:t>= </a:t>
+            </a:r>
+            <a:r>
+              <a:rPr lang="en-US" sz="1800" dirty="0"/>
+              <a:t>{(q</a:t>
+            </a:r>
+            <a:r>
+              <a:rPr lang="en-US" sz="1200" dirty="0"/>
+              <a:t>0</a:t>
+            </a:r>
+            <a:r>
+              <a:rPr lang="en-US" sz="1800" dirty="0" smtClean="0"/>
+              <a:t>, aaZ</a:t>
+            </a:r>
+            <a:r>
+              <a:rPr lang="en-US" sz="1200" dirty="0" smtClean="0"/>
+              <a:t>0</a:t>
+            </a:r>
+            <a:r>
+              <a:rPr lang="en-US" sz="1800" dirty="0" smtClean="0"/>
+              <a:t>)}</a:t>
+            </a:r>
+          </a:p>
+          <a:p>
+            <a:pPr lvl="1"/>
+            <a:r>
+              <a:rPr lang="el-GR" sz="1800" dirty="0"/>
+              <a:t>δ</a:t>
+            </a:r>
+            <a:r>
+              <a:rPr lang="en-US" sz="1800" dirty="0"/>
+              <a:t> (q</a:t>
+            </a:r>
+            <a:r>
+              <a:rPr lang="en-US" sz="1200" dirty="0"/>
+              <a:t>0</a:t>
+            </a:r>
+            <a:r>
+              <a:rPr lang="en-US" sz="1800" dirty="0"/>
+              <a:t>, a, a) = {(q</a:t>
+            </a:r>
+            <a:r>
+              <a:rPr lang="en-US" sz="1200" dirty="0"/>
+              <a:t>0</a:t>
+            </a:r>
+            <a:r>
+              <a:rPr lang="en-US" sz="1800" dirty="0"/>
+              <a:t>, </a:t>
+            </a:r>
+            <a:r>
+              <a:rPr lang="en-US" sz="1800" dirty="0" smtClean="0"/>
+              <a:t>aaaZ</a:t>
+            </a:r>
+            <a:r>
+              <a:rPr lang="en-US" sz="1200" dirty="0" smtClean="0"/>
+              <a:t>0</a:t>
+            </a:r>
+            <a:r>
+              <a:rPr lang="en-US" sz="1800" dirty="0" smtClean="0"/>
+              <a:t>)}</a:t>
+            </a:r>
+            <a:endParaRPr lang="en-US" sz="1800" dirty="0" smtClean="0"/>
+          </a:p>
+          <a:p>
+            <a:pPr lvl="1"/>
+            <a:r>
+              <a:rPr lang="el-GR" sz="1800" dirty="0" smtClean="0"/>
+              <a:t>δ</a:t>
+            </a:r>
+            <a:r>
+              <a:rPr lang="en-US" sz="1800" dirty="0" smtClean="0"/>
+              <a:t> </a:t>
+            </a:r>
+            <a:r>
+              <a:rPr lang="en-US" sz="1800" dirty="0"/>
+              <a:t>(q</a:t>
+            </a:r>
+            <a:r>
+              <a:rPr lang="en-US" sz="1200" dirty="0"/>
+              <a:t>0</a:t>
+            </a:r>
+            <a:r>
+              <a:rPr lang="en-US" sz="1800" dirty="0" smtClean="0"/>
+              <a:t>, b, a) </a:t>
+            </a:r>
+            <a:r>
+              <a:rPr lang="en-US" sz="1800" dirty="0" smtClean="0"/>
+              <a:t>= </a:t>
+            </a:r>
+            <a:r>
+              <a:rPr lang="en-US" sz="1800" dirty="0"/>
+              <a:t>{(</a:t>
+            </a:r>
+            <a:r>
+              <a:rPr lang="en-US" sz="1800" dirty="0" smtClean="0"/>
+              <a:t>q</a:t>
+            </a:r>
+            <a:r>
+              <a:rPr lang="en-US" sz="1200" dirty="0" smtClean="0"/>
+              <a:t>1</a:t>
+            </a:r>
+            <a:r>
+              <a:rPr lang="en-US" sz="1800" dirty="0" smtClean="0"/>
+              <a:t>, aaaZ</a:t>
+            </a:r>
+            <a:r>
+              <a:rPr lang="en-US" sz="1200" dirty="0" smtClean="0"/>
+              <a:t>0</a:t>
+            </a:r>
+            <a:r>
+              <a:rPr lang="en-US" sz="1800" dirty="0" smtClean="0"/>
+              <a:t>)}</a:t>
+            </a:r>
+          </a:p>
+          <a:p>
+            <a:pPr lvl="1"/>
+            <a:r>
+              <a:rPr lang="el-GR" sz="1800" dirty="0" smtClean="0"/>
+              <a:t>δ</a:t>
+            </a:r>
+            <a:r>
+              <a:rPr lang="en-US" sz="1800" dirty="0"/>
+              <a:t> (</a:t>
+            </a:r>
+            <a:r>
+              <a:rPr lang="en-US" sz="1800" dirty="0" smtClean="0"/>
+              <a:t>q</a:t>
+            </a:r>
+            <a:r>
+              <a:rPr lang="en-US" sz="1200" dirty="0" smtClean="0"/>
+              <a:t>1</a:t>
+            </a:r>
+            <a:r>
+              <a:rPr lang="en-US" sz="1800" dirty="0" smtClean="0"/>
+              <a:t>, b, a) </a:t>
+            </a:r>
+            <a:r>
+              <a:rPr lang="en-US" sz="1800" dirty="0"/>
+              <a:t>= {(</a:t>
+            </a:r>
+            <a:r>
+              <a:rPr lang="en-US" sz="1800" dirty="0" smtClean="0"/>
+              <a:t>q</a:t>
+            </a:r>
+            <a:r>
+              <a:rPr lang="en-US" sz="1200" dirty="0" smtClean="0"/>
+              <a:t>2</a:t>
+            </a:r>
+            <a:r>
+              <a:rPr lang="en-US" sz="1800" dirty="0" smtClean="0"/>
+              <a:t> </a:t>
+            </a:r>
+            <a:r>
+              <a:rPr lang="en-US" sz="1800" dirty="0"/>
+              <a:t>, </a:t>
+            </a:r>
+            <a:r>
+              <a:rPr lang="el-GR" sz="1800" dirty="0" smtClean="0"/>
+              <a:t>λ</a:t>
+            </a:r>
+            <a:r>
+              <a:rPr lang="en-US" sz="1800" dirty="0" smtClean="0"/>
+              <a:t>)} </a:t>
+            </a:r>
+          </a:p>
+          <a:p>
+            <a:pPr lvl="1"/>
+            <a:r>
+              <a:rPr lang="el-GR" sz="1800" dirty="0"/>
+              <a:t>δ</a:t>
+            </a:r>
+            <a:r>
+              <a:rPr lang="en-US" sz="1800" dirty="0"/>
+              <a:t> (</a:t>
+            </a:r>
+            <a:r>
+              <a:rPr lang="en-US" sz="1800" dirty="0" smtClean="0"/>
+              <a:t>q</a:t>
+            </a:r>
+            <a:r>
+              <a:rPr lang="en-US" sz="1200" dirty="0" smtClean="0"/>
+              <a:t>2</a:t>
+            </a:r>
+            <a:r>
+              <a:rPr lang="en-US" sz="1800" dirty="0" smtClean="0"/>
+              <a:t>, </a:t>
+            </a:r>
+            <a:r>
+              <a:rPr lang="en-US" sz="1800" dirty="0"/>
+              <a:t>b, a) = {(</a:t>
+            </a:r>
+            <a:r>
+              <a:rPr lang="en-US" sz="1800" dirty="0" smtClean="0"/>
+              <a:t>q</a:t>
+            </a:r>
+            <a:r>
+              <a:rPr lang="en-US" sz="1200" dirty="0" smtClean="0"/>
+              <a:t>1</a:t>
+            </a:r>
+            <a:r>
+              <a:rPr lang="en-US" sz="1800" dirty="0" smtClean="0"/>
+              <a:t>, aaZ</a:t>
+            </a:r>
+            <a:r>
+              <a:rPr lang="en-US" sz="1200" dirty="0" smtClean="0"/>
+              <a:t>0</a:t>
+            </a:r>
+            <a:r>
+              <a:rPr lang="en-US" sz="1800" dirty="0"/>
+              <a:t>)}</a:t>
+            </a:r>
+          </a:p>
+          <a:p>
+            <a:pPr lvl="1"/>
+            <a:r>
+              <a:rPr lang="el-GR" sz="1800" dirty="0"/>
+              <a:t>δ</a:t>
+            </a:r>
+            <a:r>
+              <a:rPr lang="en-US" sz="1800" dirty="0"/>
+              <a:t> (</a:t>
+            </a:r>
+            <a:r>
+              <a:rPr lang="en-US" sz="1800" dirty="0" smtClean="0"/>
+              <a:t>q</a:t>
+            </a:r>
+            <a:r>
+              <a:rPr lang="en-US" sz="1200" dirty="0" smtClean="0"/>
+              <a:t>1</a:t>
+            </a:r>
+            <a:r>
+              <a:rPr lang="en-US" sz="1800" dirty="0" smtClean="0"/>
+              <a:t>, </a:t>
+            </a:r>
+            <a:r>
+              <a:rPr lang="en-US" sz="1800" dirty="0"/>
+              <a:t>b, a) = {(</a:t>
+            </a:r>
+            <a:r>
+              <a:rPr lang="en-US" sz="1800" dirty="0" smtClean="0"/>
+              <a:t>q</a:t>
+            </a:r>
+            <a:r>
+              <a:rPr lang="en-US" sz="1200" dirty="0"/>
+              <a:t>2</a:t>
+            </a:r>
+            <a:r>
+              <a:rPr lang="en-US" sz="1800" dirty="0" smtClean="0"/>
+              <a:t> </a:t>
+            </a:r>
+            <a:r>
+              <a:rPr lang="en-US" sz="1800" dirty="0"/>
+              <a:t>, </a:t>
+            </a:r>
+            <a:r>
+              <a:rPr lang="el-GR" sz="1800" dirty="0"/>
+              <a:t>λ</a:t>
+            </a:r>
+            <a:r>
+              <a:rPr lang="en-US" sz="1800" dirty="0"/>
+              <a:t>)} </a:t>
+            </a:r>
+          </a:p>
+          <a:p>
+            <a:pPr lvl="1"/>
+            <a:r>
+              <a:rPr lang="el-GR" sz="1800" dirty="0" smtClean="0"/>
+              <a:t>δ</a:t>
+            </a:r>
+            <a:r>
+              <a:rPr lang="en-US" sz="1800" dirty="0"/>
+              <a:t> (</a:t>
+            </a:r>
+            <a:r>
+              <a:rPr lang="en-US" sz="1800" dirty="0" smtClean="0"/>
+              <a:t>q</a:t>
+            </a:r>
+            <a:r>
+              <a:rPr lang="en-US" sz="1200" dirty="0" smtClean="0"/>
+              <a:t>2</a:t>
+            </a:r>
+            <a:r>
+              <a:rPr lang="en-US" sz="1800" dirty="0" smtClean="0"/>
+              <a:t>, , Z</a:t>
+            </a:r>
+            <a:r>
+              <a:rPr lang="en-US" sz="1100" dirty="0" smtClean="0"/>
+              <a:t>0</a:t>
+            </a:r>
+            <a:r>
+              <a:rPr lang="en-US" sz="1800" dirty="0" smtClean="0"/>
+              <a:t>) </a:t>
+            </a:r>
+            <a:r>
+              <a:rPr lang="en-US" sz="1800" dirty="0"/>
+              <a:t>= {(</a:t>
+            </a:r>
+            <a:r>
+              <a:rPr lang="en-US" sz="1800" dirty="0" smtClean="0"/>
+              <a:t>q</a:t>
+            </a:r>
+            <a:r>
+              <a:rPr lang="en-US" sz="1200" dirty="0" smtClean="0"/>
+              <a:t>f</a:t>
+            </a:r>
+            <a:r>
+              <a:rPr lang="en-US" sz="1800" dirty="0" smtClean="0"/>
+              <a:t>, Z</a:t>
+            </a:r>
+            <a:r>
+              <a:rPr lang="en-US" sz="1100" dirty="0" smtClean="0"/>
+              <a:t>0</a:t>
+            </a:r>
+            <a:r>
+              <a:rPr lang="en-US" sz="1800" dirty="0" smtClean="0"/>
+              <a:t>)}</a:t>
+            </a:r>
+          </a:p>
+          <a:p>
+            <a:pPr lvl="1"/>
+            <a:endParaRPr lang="en-US" sz="1800" dirty="0"/>
+          </a:p>
+          <a:p>
+            <a:pPr lvl="1"/>
+            <a:endParaRPr lang="en-US" sz="1800" dirty="0"/>
+          </a:p>
+        </p:txBody>
+      </p:sp>
+      <p:sp>
+        <p:nvSpPr>
+          <p:cNvPr id="5" name="TextBox 4"/>
+          <p:cNvSpPr txBox="1"/>
+          <p:nvPr/>
+        </p:nvSpPr>
+        <p:spPr>
+          <a:xfrm>
+            <a:off x="6724650" y="5572661"/>
+            <a:ext cx="3371056" cy="584775"/>
+          </a:xfrm>
+          <a:prstGeom prst="rect">
+            <a:avLst/>
+          </a:prstGeom>
+          <a:noFill/>
+        </p:spPr>
+        <p:txBody>
+          <a:bodyPr wrap="square" rtlCol="0">
+            <a:spAutoFit/>
+          </a:bodyPr>
+          <a:lstStyle/>
+          <a:p>
+            <a:pPr marL="742950" lvl="1" indent="-285750">
+              <a:buFont typeface="Arial" panose="020B0604020202020204" pitchFamily="34" charset="0"/>
+              <a:buChar char="•"/>
+            </a:pPr>
+            <a:endParaRPr lang="en-US" sz="1600" dirty="0"/>
+          </a:p>
+          <a:p>
+            <a:pPr marL="285750" indent="-285750">
+              <a:buFont typeface="Arial" panose="020B0604020202020204" pitchFamily="34" charset="0"/>
+              <a:buChar char="•"/>
+            </a:pPr>
+            <a:endParaRPr lang="en-US" sz="1600" dirty="0"/>
+          </a:p>
+        </p:txBody>
+      </p:sp>
+    </p:spTree>
+    <p:extLst>
+      <p:ext uri="{BB962C8B-B14F-4D97-AF65-F5344CB8AC3E}">
+        <p14:creationId xmlns:p14="http://schemas.microsoft.com/office/powerpoint/2010/main" val="1115690416"/>
+      </p:ext>
+    </p:extLst>
+  </p:cSld>
+  <p:clrMapOvr>
+    <a:masterClrMapping/>
+  </p:clrMapOvr>
+</p:sld>
+</file>
+
+<file path=ppt/slides/slide17.xml><?xml version="1.0" encoding="utf-8"?>
+<p:sld xmlns:a="http://schemas.openxmlformats.org/drawingml/2006/main" xmlns:r="http://schemas.openxmlformats.org/officeDocument/2006/relationships" xmlns:p="http://schemas.openxmlformats.org/presentationml/2006/main">
+  <p:cSld>
+    <p:spTree>
+      <p:nvGrpSpPr>
+        <p:cNvPr id="1" name=""/>
+        <p:cNvGrpSpPr/>
+        <p:nvPr/>
+      </p:nvGrpSpPr>
+      <p:grpSpPr>
+        <a:xfrm>
+          <a:off x="0" y="0"/>
+          <a:ext cx="0" cy="0"/>
+          <a:chOff x="0" y="0"/>
+          <a:chExt cx="0" cy="0"/>
+        </a:xfrm>
+      </p:grpSpPr>
+      <mc:AlternateContent xmlns:mc="http://schemas.openxmlformats.org/markup-compatibility/2006">
+        <mc:Choice xmlns:a14="http://schemas.microsoft.com/office/drawing/2010/main" Requires="a14">
+          <p:sp>
+            <p:nvSpPr>
+              <p:cNvPr id="3" name="Content Placeholder 2"/>
+              <p:cNvSpPr>
+                <a:spLocks noGrp="1"/>
+              </p:cNvSpPr>
+              <p:nvPr>
+                <p:ph idx="1"/>
+              </p:nvPr>
+            </p:nvSpPr>
+            <p:spPr>
+              <a:xfrm>
+                <a:off x="2589212" y="2133600"/>
+                <a:ext cx="8915400" cy="4724400"/>
+              </a:xfrm>
+            </p:spPr>
+            <p:txBody>
+              <a:bodyPr>
+                <a:normAutofit/>
+              </a:bodyPr>
+              <a:lstStyle/>
+              <a:p>
+                <a:r>
+                  <a:rPr lang="en-US" dirty="0" smtClean="0"/>
+                  <a:t>The State Diagram of </a:t>
+                </a:r>
+                <a:r>
+                  <a:rPr lang="en-US" dirty="0"/>
+                  <a:t>L</a:t>
+                </a:r>
+                <a:r>
+                  <a:rPr lang="en-US" dirty="0" smtClean="0"/>
+                  <a:t>={</a:t>
+                </a:r>
+                <a14:m>
+                  <m:oMath xmlns:m="http://schemas.openxmlformats.org/officeDocument/2006/math">
+                    <m:r>
+                      <a:rPr lang="en-US" i="1" smtClean="0">
+                        <a:latin typeface="Cambria Math" panose="02040503050406030204" pitchFamily="18" charset="0"/>
+                      </a:rPr>
+                      <m:t>𝑤</m:t>
+                    </m:r>
+                    <m:r>
+                      <m:rPr>
+                        <m:sty m:val="p"/>
+                      </m:rPr>
+                      <a:rPr lang="en-US" b="0" i="0" smtClean="0">
+                        <a:latin typeface="Cambria Math" panose="02040503050406030204" pitchFamily="18" charset="0"/>
+                      </a:rPr>
+                      <m:t>c</m:t>
+                    </m:r>
+                    <m:sSup>
+                      <m:sSupPr>
+                        <m:ctrlPr>
+                          <a:rPr lang="en-US" i="1" smtClean="0">
+                            <a:latin typeface="Cambria Math" panose="02040503050406030204" pitchFamily="18" charset="0"/>
+                          </a:rPr>
+                        </m:ctrlPr>
+                      </m:sSupPr>
+                      <m:e>
+                        <m:r>
+                          <a:rPr lang="en-US" b="0" i="1" smtClean="0">
+                            <a:latin typeface="Cambria Math" panose="02040503050406030204" pitchFamily="18" charset="0"/>
+                          </a:rPr>
+                          <m:t>𝑤</m:t>
+                        </m:r>
+                      </m:e>
+                      <m:sup>
+                        <m:r>
+                          <a:rPr lang="en-US" b="0" i="1" smtClean="0">
+                            <a:latin typeface="Cambria Math" panose="02040503050406030204" pitchFamily="18" charset="0"/>
+                          </a:rPr>
+                          <m:t>𝑅</m:t>
+                        </m:r>
+                      </m:sup>
+                    </m:sSup>
+                  </m:oMath>
+                </a14:m>
+                <a:r>
+                  <a:rPr lang="en-US" dirty="0"/>
+                  <a:t> </a:t>
+                </a:r>
+                <a:r>
+                  <a:rPr lang="en-US" dirty="0">
+                    <a:latin typeface="Cambria Math" panose="02040503050406030204" pitchFamily="18" charset="0"/>
+                    <a:ea typeface="Cambria Math" panose="02040503050406030204" pitchFamily="18" charset="0"/>
+                  </a:rPr>
+                  <a:t>| </a:t>
+                </a:r>
+                <a:r>
+                  <a:rPr lang="en-US" i="1" dirty="0" smtClean="0">
+                    <a:latin typeface="Cambria Math" panose="02040503050406030204" pitchFamily="18" charset="0"/>
+                    <a:ea typeface="Cambria Math" panose="02040503050406030204" pitchFamily="18" charset="0"/>
+                  </a:rPr>
+                  <a:t>w </a:t>
+                </a:r>
+                <a:r>
+                  <a:rPr lang="en-US" dirty="0" smtClean="0"/>
+                  <a:t></a:t>
+                </a:r>
+                <a:r>
+                  <a:rPr lang="en-US" i="1" dirty="0" smtClean="0">
+                    <a:latin typeface="Cambria Math" panose="02040503050406030204" pitchFamily="18" charset="0"/>
+                    <a:ea typeface="Cambria Math" panose="02040503050406030204" pitchFamily="18" charset="0"/>
+                  </a:rPr>
+                  <a:t>(a,b)</a:t>
+                </a:r>
+                <a:r>
+                  <a:rPr lang="en-US" i="1" dirty="0" smtClean="0"/>
+                  <a:t>*</a:t>
+                </a:r>
+                <a:r>
+                  <a:rPr lang="en-US" dirty="0" smtClean="0"/>
+                  <a:t>}.</a:t>
+                </a:r>
+                <a:endParaRPr lang="en-US" dirty="0"/>
+              </a:p>
+            </p:txBody>
+          </p:sp>
+        </mc:Choice>
+        <mc:Fallback>
+          <p:sp>
+            <p:nvSpPr>
+              <p:cNvPr id="3" name="Content Placeholder 2"/>
+              <p:cNvSpPr>
+                <a:spLocks noGrp="1" noRot="1" noChangeAspect="1" noMove="1" noResize="1" noEditPoints="1" noAdjustHandles="1" noChangeArrowheads="1" noChangeShapeType="1" noTextEdit="1"/>
+              </p:cNvSpPr>
+              <p:nvPr>
+                <p:ph idx="1"/>
+              </p:nvPr>
+            </p:nvSpPr>
+            <p:spPr>
+              <a:xfrm>
+                <a:off x="2589212" y="2133600"/>
+                <a:ext cx="8915400" cy="4724400"/>
+              </a:xfrm>
+              <a:blipFill rotWithShape="0">
+                <a:blip r:embed="rId2"/>
+                <a:stretch>
+                  <a:fillRect l="-479" t="-645"/>
+                </a:stretch>
+              </a:blipFill>
+            </p:spPr>
+            <p:txBody>
+              <a:bodyPr/>
+              <a:lstStyle/>
+              <a:p>
+                <a:r>
+                  <a:rPr lang="en-US">
+                    <a:noFill/>
+                  </a:rPr>
+                  <a:t> </a:t>
+                </a:r>
+              </a:p>
+            </p:txBody>
+          </p:sp>
+        </mc:Fallback>
+      </mc:AlternateContent>
+      <p:sp>
+        <p:nvSpPr>
+          <p:cNvPr id="4" name="Title 1"/>
+          <p:cNvSpPr>
+            <a:spLocks noGrp="1"/>
+          </p:cNvSpPr>
+          <p:nvPr>
+            <p:ph type="title"/>
+          </p:nvPr>
+        </p:nvSpPr>
+        <p:spPr>
+          <a:xfrm>
+            <a:off x="2592925" y="624110"/>
+            <a:ext cx="8911687" cy="1280890"/>
+          </a:xfrm>
+        </p:spPr>
+        <p:txBody>
+          <a:bodyPr/>
+          <a:lstStyle/>
+          <a:p>
+            <a:r>
+              <a:rPr lang="en-US" dirty="0" smtClean="0"/>
+              <a:t>Example of </a:t>
+            </a:r>
+            <a:r>
+              <a:rPr lang="en-US" dirty="0"/>
+              <a:t>Non Deterministic PDA:</a:t>
+            </a:r>
+          </a:p>
+        </p:txBody>
+      </p:sp>
+      <p:sp>
+        <p:nvSpPr>
+          <p:cNvPr id="5" name="Oval 4"/>
+          <p:cNvSpPr/>
+          <p:nvPr/>
+        </p:nvSpPr>
+        <p:spPr>
+          <a:xfrm>
+            <a:off x="2428484" y="3604602"/>
+            <a:ext cx="874479" cy="894596"/>
+          </a:xfrm>
+          <a:prstGeom prst="ellipse">
+            <a:avLst/>
+          </a:prstGeom>
+          <a:solidFill>
+            <a:srgbClr val="EEF961"/>
+          </a:solidFill>
+          <a:ln>
+            <a:solidFill>
+              <a:schemeClr val="tx2"/>
+            </a:solidFill>
+          </a:ln>
+        </p:spPr>
+        <p:style>
+          <a:lnRef idx="2">
+            <a:schemeClr val="accent1">
+              <a:shade val="50000"/>
+            </a:schemeClr>
+          </a:lnRef>
+          <a:fillRef idx="1">
+            <a:schemeClr val="accent1"/>
+          </a:fillRef>
+          <a:effectRef idx="0">
+            <a:schemeClr val="accent1"/>
+          </a:effectRef>
+          <a:fontRef idx="minor">
+            <a:schemeClr val="lt1"/>
+          </a:fontRef>
+        </p:style>
+        <p:txBody>
+          <a:bodyPr rtlCol="0" anchor="ctr"/>
+          <a:lstStyle/>
+          <a:p>
+            <a:pPr algn="ctr"/>
+            <a:r>
+              <a:rPr lang="en-US" sz="2000" b="1" dirty="0" smtClean="0">
+                <a:solidFill>
+                  <a:schemeClr val="tx1"/>
+                </a:solidFill>
+              </a:rPr>
+              <a:t>q</a:t>
+            </a:r>
+            <a:endParaRPr lang="en-US" sz="2000" b="1" dirty="0">
+              <a:solidFill>
+                <a:schemeClr val="tx1"/>
+              </a:solidFill>
+            </a:endParaRPr>
+          </a:p>
+        </p:txBody>
+      </p:sp>
+      <p:sp>
+        <p:nvSpPr>
+          <p:cNvPr id="6" name="TextBox 5"/>
+          <p:cNvSpPr txBox="1"/>
+          <p:nvPr/>
+        </p:nvSpPr>
+        <p:spPr>
+          <a:xfrm>
+            <a:off x="6391929" y="2782416"/>
+            <a:ext cx="1142398" cy="707886"/>
+          </a:xfrm>
+          <a:prstGeom prst="rect">
+            <a:avLst/>
+          </a:prstGeom>
+          <a:noFill/>
+        </p:spPr>
+        <p:txBody>
+          <a:bodyPr wrap="square" rtlCol="0">
+            <a:spAutoFit/>
+          </a:bodyPr>
+          <a:lstStyle/>
+          <a:p>
+            <a:r>
+              <a:rPr lang="en-US" sz="2000" dirty="0"/>
+              <a:t>b, </a:t>
+            </a:r>
+            <a:r>
+              <a:rPr lang="en-US" sz="2000" dirty="0"/>
+              <a:t>b</a:t>
+            </a:r>
+            <a:r>
+              <a:rPr lang="en-US" sz="2000" dirty="0" smtClean="0"/>
+              <a:t> </a:t>
+            </a:r>
+            <a:r>
+              <a:rPr lang="en-US" sz="2000" dirty="0"/>
+              <a:t>/ </a:t>
+            </a:r>
+            <a:r>
+              <a:rPr lang="en-US" sz="2000" dirty="0" smtClean="0"/>
+              <a:t></a:t>
+            </a:r>
+          </a:p>
+          <a:p>
+            <a:r>
+              <a:rPr lang="en-US" sz="2000" dirty="0" smtClean="0"/>
+              <a:t>a, a / </a:t>
+            </a:r>
+            <a:r>
+              <a:rPr lang="en-US" sz="2000" dirty="0"/>
+              <a:t></a:t>
+            </a:r>
+            <a:endParaRPr lang="en-US" sz="2000" dirty="0"/>
+          </a:p>
+        </p:txBody>
+      </p:sp>
+      <p:sp>
+        <p:nvSpPr>
+          <p:cNvPr id="7" name="TextBox 6"/>
+          <p:cNvSpPr txBox="1"/>
+          <p:nvPr/>
+        </p:nvSpPr>
+        <p:spPr>
+          <a:xfrm>
+            <a:off x="924449" y="2796736"/>
+            <a:ext cx="1676473" cy="1938992"/>
+          </a:xfrm>
+          <a:prstGeom prst="rect">
+            <a:avLst/>
+          </a:prstGeom>
+          <a:noFill/>
+        </p:spPr>
+        <p:txBody>
+          <a:bodyPr wrap="square" rtlCol="0">
+            <a:spAutoFit/>
+          </a:bodyPr>
+          <a:lstStyle/>
+          <a:p>
+            <a:r>
+              <a:rPr lang="en-US" sz="2000" dirty="0" smtClean="0"/>
+              <a:t>a</a:t>
+            </a:r>
+            <a:r>
+              <a:rPr lang="en-US" sz="2000" dirty="0"/>
+              <a:t>, </a:t>
+            </a:r>
+            <a:r>
+              <a:rPr lang="en-US" sz="2000" dirty="0" smtClean="0"/>
+              <a:t>Z</a:t>
+            </a:r>
+            <a:r>
+              <a:rPr lang="en-US" sz="1200" dirty="0" smtClean="0"/>
+              <a:t>0</a:t>
+            </a:r>
+            <a:r>
+              <a:rPr lang="en-US" sz="2000" dirty="0" smtClean="0"/>
+              <a:t> </a:t>
+            </a:r>
+            <a:r>
+              <a:rPr lang="en-US" sz="2000" dirty="0" smtClean="0"/>
+              <a:t>/ </a:t>
+            </a:r>
+            <a:r>
+              <a:rPr lang="en-US" sz="2000" dirty="0" smtClean="0"/>
+              <a:t>aZ</a:t>
+            </a:r>
+            <a:r>
+              <a:rPr lang="en-US" sz="1200" dirty="0" smtClean="0"/>
+              <a:t>0</a:t>
+            </a:r>
+            <a:endParaRPr lang="en-US" sz="2000" dirty="0" smtClean="0"/>
+          </a:p>
+          <a:p>
+            <a:r>
+              <a:rPr lang="en-US" sz="2000" dirty="0" smtClean="0"/>
+              <a:t>a, </a:t>
+            </a:r>
+            <a:r>
+              <a:rPr lang="en-US" sz="2000" dirty="0"/>
+              <a:t>a</a:t>
+            </a:r>
+            <a:r>
+              <a:rPr lang="en-US" sz="2000" dirty="0" smtClean="0"/>
+              <a:t> </a:t>
+            </a:r>
+            <a:r>
+              <a:rPr lang="en-US" sz="2000" dirty="0" smtClean="0"/>
+              <a:t>/ </a:t>
+            </a:r>
+            <a:r>
+              <a:rPr lang="en-US" sz="2000" dirty="0" smtClean="0"/>
+              <a:t>aaZ</a:t>
+            </a:r>
+            <a:r>
+              <a:rPr lang="en-US" sz="1200" dirty="0" smtClean="0"/>
+              <a:t>0</a:t>
+            </a:r>
+            <a:endParaRPr lang="en-US" sz="1200" dirty="0" smtClean="0"/>
+          </a:p>
+          <a:p>
+            <a:r>
+              <a:rPr lang="en-US" sz="2000" dirty="0"/>
+              <a:t>a, </a:t>
+            </a:r>
+            <a:r>
+              <a:rPr lang="en-US" sz="2000" dirty="0"/>
+              <a:t>b</a:t>
+            </a:r>
+            <a:r>
+              <a:rPr lang="en-US" sz="2000" dirty="0" smtClean="0"/>
+              <a:t> </a:t>
+            </a:r>
+            <a:r>
+              <a:rPr lang="en-US" sz="2000" dirty="0"/>
+              <a:t>/ </a:t>
+            </a:r>
+            <a:r>
+              <a:rPr lang="en-US" sz="2000" dirty="0" smtClean="0"/>
+              <a:t>ab</a:t>
+            </a:r>
+            <a:r>
+              <a:rPr lang="en-US" sz="2000" dirty="0" smtClean="0"/>
+              <a:t>Z</a:t>
+            </a:r>
+            <a:r>
+              <a:rPr lang="en-US" sz="1200" dirty="0" smtClean="0"/>
+              <a:t>0 </a:t>
+            </a:r>
+          </a:p>
+          <a:p>
+            <a:r>
+              <a:rPr lang="en-US" sz="2000" dirty="0" smtClean="0"/>
+              <a:t>b, </a:t>
+            </a:r>
+            <a:r>
+              <a:rPr lang="en-US" sz="2000" dirty="0"/>
+              <a:t>Z</a:t>
+            </a:r>
+            <a:r>
+              <a:rPr lang="en-US" sz="1200" dirty="0"/>
+              <a:t>0</a:t>
+            </a:r>
+            <a:r>
+              <a:rPr lang="en-US" sz="2000" dirty="0" smtClean="0"/>
+              <a:t> </a:t>
+            </a:r>
+            <a:r>
+              <a:rPr lang="en-US" sz="2000" dirty="0"/>
+              <a:t>/ b</a:t>
+            </a:r>
+            <a:r>
+              <a:rPr lang="en-US" sz="2000" dirty="0" smtClean="0"/>
+              <a:t>Z</a:t>
+            </a:r>
+            <a:r>
+              <a:rPr lang="en-US" sz="1200" dirty="0" smtClean="0"/>
+              <a:t>0</a:t>
+            </a:r>
+            <a:endParaRPr lang="en-US" sz="1200" dirty="0"/>
+          </a:p>
+          <a:p>
+            <a:r>
+              <a:rPr lang="en-US" sz="2000" dirty="0" smtClean="0"/>
+              <a:t>b, </a:t>
+            </a:r>
+            <a:r>
+              <a:rPr lang="en-US" sz="2000" dirty="0"/>
+              <a:t>b / </a:t>
+            </a:r>
+            <a:r>
+              <a:rPr lang="en-US" sz="2000" dirty="0" smtClean="0"/>
+              <a:t>bbZ</a:t>
+            </a:r>
+            <a:r>
+              <a:rPr lang="en-US" sz="1200" dirty="0" smtClean="0"/>
+              <a:t>0</a:t>
+            </a:r>
+            <a:endParaRPr lang="en-US" sz="1200" dirty="0"/>
+          </a:p>
+          <a:p>
+            <a:r>
+              <a:rPr lang="en-US" sz="2000" dirty="0"/>
+              <a:t>b, a / </a:t>
+            </a:r>
+            <a:r>
+              <a:rPr lang="en-US" sz="2000" dirty="0" smtClean="0"/>
+              <a:t>baZ</a:t>
+            </a:r>
+            <a:r>
+              <a:rPr lang="en-US" sz="1200" dirty="0" smtClean="0"/>
+              <a:t>0</a:t>
+            </a:r>
+            <a:endParaRPr lang="en-US" sz="2000" dirty="0" smtClean="0"/>
+          </a:p>
+        </p:txBody>
+      </p:sp>
+      <p:sp>
+        <p:nvSpPr>
+          <p:cNvPr id="8" name="Freeform 7"/>
+          <p:cNvSpPr/>
+          <p:nvPr/>
+        </p:nvSpPr>
+        <p:spPr>
+          <a:xfrm>
+            <a:off x="2461812" y="3138536"/>
+            <a:ext cx="820367" cy="577718"/>
+          </a:xfrm>
+          <a:custGeom>
+            <a:avLst/>
+            <a:gdLst>
+              <a:gd name="connsiteX0" fmla="*/ 698626 w 820367"/>
+              <a:gd name="connsiteY0" fmla="*/ 577718 h 577718"/>
+              <a:gd name="connsiteX1" fmla="*/ 818941 w 820367"/>
+              <a:gd name="connsiteY1" fmla="*/ 264897 h 577718"/>
+              <a:gd name="connsiteX2" fmla="*/ 626436 w 820367"/>
+              <a:gd name="connsiteY2" fmla="*/ 96455 h 577718"/>
+              <a:gd name="connsiteX3" fmla="*/ 289552 w 820367"/>
+              <a:gd name="connsiteY3" fmla="*/ 203 h 577718"/>
+              <a:gd name="connsiteX4" fmla="*/ 24857 w 820367"/>
+              <a:gd name="connsiteY4" fmla="*/ 120518 h 577718"/>
+              <a:gd name="connsiteX5" fmla="*/ 24857 w 820367"/>
+              <a:gd name="connsiteY5" fmla="*/ 313024 h 577718"/>
+              <a:gd name="connsiteX6" fmla="*/ 145173 w 820367"/>
+              <a:gd name="connsiteY6" fmla="*/ 457403 h 577718"/>
+              <a:gd name="connsiteX7" fmla="*/ 193299 w 820367"/>
+              <a:gd name="connsiteY7" fmla="*/ 505529 h 577718"/>
+            </a:gdLst>
+            <a:ahLst/>
+            <a:cxnLst>
+              <a:cxn ang="0">
+                <a:pos x="connsiteX0" y="connsiteY0"/>
+              </a:cxn>
+              <a:cxn ang="0">
+                <a:pos x="connsiteX1" y="connsiteY1"/>
+              </a:cxn>
+              <a:cxn ang="0">
+                <a:pos x="connsiteX2" y="connsiteY2"/>
+              </a:cxn>
+              <a:cxn ang="0">
+                <a:pos x="connsiteX3" y="connsiteY3"/>
+              </a:cxn>
+              <a:cxn ang="0">
+                <a:pos x="connsiteX4" y="connsiteY4"/>
+              </a:cxn>
+              <a:cxn ang="0">
+                <a:pos x="connsiteX5" y="connsiteY5"/>
+              </a:cxn>
+              <a:cxn ang="0">
+                <a:pos x="connsiteX6" y="connsiteY6"/>
+              </a:cxn>
+              <a:cxn ang="0">
+                <a:pos x="connsiteX7" y="connsiteY7"/>
+              </a:cxn>
+            </a:cxnLst>
+            <a:rect l="l" t="t" r="r" b="b"/>
+            <a:pathLst>
+              <a:path w="820367" h="577718">
+                <a:moveTo>
+                  <a:pt x="698626" y="577718"/>
+                </a:moveTo>
+                <a:cubicBezTo>
+                  <a:pt x="764799" y="461412"/>
+                  <a:pt x="830973" y="345107"/>
+                  <a:pt x="818941" y="264897"/>
+                </a:cubicBezTo>
+                <a:cubicBezTo>
+                  <a:pt x="806909" y="184686"/>
+                  <a:pt x="714667" y="140571"/>
+                  <a:pt x="626436" y="96455"/>
+                </a:cubicBezTo>
+                <a:cubicBezTo>
+                  <a:pt x="538205" y="52339"/>
+                  <a:pt x="389815" y="-3807"/>
+                  <a:pt x="289552" y="203"/>
+                </a:cubicBezTo>
+                <a:cubicBezTo>
+                  <a:pt x="189289" y="4213"/>
+                  <a:pt x="68973" y="68381"/>
+                  <a:pt x="24857" y="120518"/>
+                </a:cubicBezTo>
+                <a:cubicBezTo>
+                  <a:pt x="-19259" y="172655"/>
+                  <a:pt x="4804" y="256877"/>
+                  <a:pt x="24857" y="313024"/>
+                </a:cubicBezTo>
+                <a:cubicBezTo>
+                  <a:pt x="44910" y="369171"/>
+                  <a:pt x="117099" y="425319"/>
+                  <a:pt x="145173" y="457403"/>
+                </a:cubicBezTo>
+                <a:cubicBezTo>
+                  <a:pt x="173247" y="489487"/>
+                  <a:pt x="183273" y="497508"/>
+                  <a:pt x="193299" y="505529"/>
+                </a:cubicBezTo>
+              </a:path>
+            </a:pathLst>
+          </a:custGeom>
+          <a:noFill/>
+          <a:ln>
+            <a:solidFill>
+              <a:schemeClr val="tx1"/>
+            </a:solidFill>
+          </a:ln>
+        </p:spPr>
+        <p:style>
+          <a:lnRef idx="2">
+            <a:schemeClr val="accent1">
+              <a:shade val="50000"/>
+            </a:schemeClr>
+          </a:lnRef>
+          <a:fillRef idx="1">
+            <a:schemeClr val="accent1"/>
+          </a:fillRef>
+          <a:effectRef idx="0">
+            <a:schemeClr val="accent1"/>
+          </a:effectRef>
+          <a:fontRef idx="minor">
+            <a:schemeClr val="lt1"/>
+          </a:fontRef>
+        </p:style>
+        <p:txBody>
+          <a:bodyPr rtlCol="0" anchor="ctr"/>
+          <a:lstStyle/>
+          <a:p>
+            <a:pPr algn="ctr"/>
+            <a:endParaRPr lang="en-US">
+              <a:solidFill>
+                <a:schemeClr val="tx1"/>
+              </a:solidFill>
+            </a:endParaRPr>
+          </a:p>
+        </p:txBody>
+      </p:sp>
+      <p:cxnSp>
+        <p:nvCxnSpPr>
+          <p:cNvPr id="9" name="Straight Connector 8"/>
+          <p:cNvCxnSpPr>
+            <a:endCxn id="8" idx="7"/>
+          </p:cNvCxnSpPr>
+          <p:nvPr/>
+        </p:nvCxnSpPr>
+        <p:spPr>
+          <a:xfrm>
+            <a:off x="2461812" y="3599803"/>
+            <a:ext cx="193299" cy="44262"/>
+          </a:xfrm>
+          <a:prstGeom prst="line">
+            <a:avLst/>
+          </a:prstGeom>
+        </p:spPr>
+        <p:style>
+          <a:lnRef idx="1">
+            <a:schemeClr val="dk1"/>
+          </a:lnRef>
+          <a:fillRef idx="0">
+            <a:schemeClr val="dk1"/>
+          </a:fillRef>
+          <a:effectRef idx="0">
+            <a:schemeClr val="dk1"/>
+          </a:effectRef>
+          <a:fontRef idx="minor">
+            <a:schemeClr val="tx1"/>
+          </a:fontRef>
+        </p:style>
+      </p:cxnSp>
+      <p:cxnSp>
+        <p:nvCxnSpPr>
+          <p:cNvPr id="10" name="Straight Connector 9"/>
+          <p:cNvCxnSpPr/>
+          <p:nvPr/>
+        </p:nvCxnSpPr>
+        <p:spPr>
+          <a:xfrm flipH="1">
+            <a:off x="2639072" y="3435734"/>
+            <a:ext cx="34188" cy="192290"/>
+          </a:xfrm>
+          <a:prstGeom prst="line">
+            <a:avLst/>
+          </a:prstGeom>
+        </p:spPr>
+        <p:style>
+          <a:lnRef idx="1">
+            <a:schemeClr val="dk1"/>
+          </a:lnRef>
+          <a:fillRef idx="0">
+            <a:schemeClr val="dk1"/>
+          </a:fillRef>
+          <a:effectRef idx="0">
+            <a:schemeClr val="dk1"/>
+          </a:effectRef>
+          <a:fontRef idx="minor">
+            <a:schemeClr val="tx1"/>
+          </a:fontRef>
+        </p:style>
+      </p:cxnSp>
+      <p:sp>
+        <p:nvSpPr>
+          <p:cNvPr id="11" name="Freeform 10"/>
+          <p:cNvSpPr/>
+          <p:nvPr/>
+        </p:nvSpPr>
+        <p:spPr>
+          <a:xfrm>
+            <a:off x="5658116" y="3143335"/>
+            <a:ext cx="820367" cy="577718"/>
+          </a:xfrm>
+          <a:custGeom>
+            <a:avLst/>
+            <a:gdLst>
+              <a:gd name="connsiteX0" fmla="*/ 698626 w 820367"/>
+              <a:gd name="connsiteY0" fmla="*/ 577718 h 577718"/>
+              <a:gd name="connsiteX1" fmla="*/ 818941 w 820367"/>
+              <a:gd name="connsiteY1" fmla="*/ 264897 h 577718"/>
+              <a:gd name="connsiteX2" fmla="*/ 626436 w 820367"/>
+              <a:gd name="connsiteY2" fmla="*/ 96455 h 577718"/>
+              <a:gd name="connsiteX3" fmla="*/ 289552 w 820367"/>
+              <a:gd name="connsiteY3" fmla="*/ 203 h 577718"/>
+              <a:gd name="connsiteX4" fmla="*/ 24857 w 820367"/>
+              <a:gd name="connsiteY4" fmla="*/ 120518 h 577718"/>
+              <a:gd name="connsiteX5" fmla="*/ 24857 w 820367"/>
+              <a:gd name="connsiteY5" fmla="*/ 313024 h 577718"/>
+              <a:gd name="connsiteX6" fmla="*/ 145173 w 820367"/>
+              <a:gd name="connsiteY6" fmla="*/ 457403 h 577718"/>
+              <a:gd name="connsiteX7" fmla="*/ 193299 w 820367"/>
+              <a:gd name="connsiteY7" fmla="*/ 505529 h 577718"/>
+            </a:gdLst>
+            <a:ahLst/>
+            <a:cxnLst>
+              <a:cxn ang="0">
+                <a:pos x="connsiteX0" y="connsiteY0"/>
+              </a:cxn>
+              <a:cxn ang="0">
+                <a:pos x="connsiteX1" y="connsiteY1"/>
+              </a:cxn>
+              <a:cxn ang="0">
+                <a:pos x="connsiteX2" y="connsiteY2"/>
+              </a:cxn>
+              <a:cxn ang="0">
+                <a:pos x="connsiteX3" y="connsiteY3"/>
+              </a:cxn>
+              <a:cxn ang="0">
+                <a:pos x="connsiteX4" y="connsiteY4"/>
+              </a:cxn>
+              <a:cxn ang="0">
+                <a:pos x="connsiteX5" y="connsiteY5"/>
+              </a:cxn>
+              <a:cxn ang="0">
+                <a:pos x="connsiteX6" y="connsiteY6"/>
+              </a:cxn>
+              <a:cxn ang="0">
+                <a:pos x="connsiteX7" y="connsiteY7"/>
+              </a:cxn>
+            </a:cxnLst>
+            <a:rect l="l" t="t" r="r" b="b"/>
+            <a:pathLst>
+              <a:path w="820367" h="577718">
+                <a:moveTo>
+                  <a:pt x="698626" y="577718"/>
+                </a:moveTo>
+                <a:cubicBezTo>
+                  <a:pt x="764799" y="461412"/>
+                  <a:pt x="830973" y="345107"/>
+                  <a:pt x="818941" y="264897"/>
+                </a:cubicBezTo>
+                <a:cubicBezTo>
+                  <a:pt x="806909" y="184686"/>
+                  <a:pt x="714667" y="140571"/>
+                  <a:pt x="626436" y="96455"/>
+                </a:cubicBezTo>
+                <a:cubicBezTo>
+                  <a:pt x="538205" y="52339"/>
+                  <a:pt x="389815" y="-3807"/>
+                  <a:pt x="289552" y="203"/>
+                </a:cubicBezTo>
+                <a:cubicBezTo>
+                  <a:pt x="189289" y="4213"/>
+                  <a:pt x="68973" y="68381"/>
+                  <a:pt x="24857" y="120518"/>
+                </a:cubicBezTo>
+                <a:cubicBezTo>
+                  <a:pt x="-19259" y="172655"/>
+                  <a:pt x="4804" y="256877"/>
+                  <a:pt x="24857" y="313024"/>
+                </a:cubicBezTo>
+                <a:cubicBezTo>
+                  <a:pt x="44910" y="369171"/>
+                  <a:pt x="117099" y="425319"/>
+                  <a:pt x="145173" y="457403"/>
+                </a:cubicBezTo>
+                <a:cubicBezTo>
+                  <a:pt x="173247" y="489487"/>
+                  <a:pt x="183273" y="497508"/>
+                  <a:pt x="193299" y="505529"/>
+                </a:cubicBezTo>
+              </a:path>
+            </a:pathLst>
+          </a:custGeom>
+          <a:noFill/>
+          <a:ln>
+            <a:solidFill>
+              <a:schemeClr val="tx1"/>
+            </a:solidFill>
+          </a:ln>
+        </p:spPr>
+        <p:style>
+          <a:lnRef idx="2">
+            <a:schemeClr val="accent1">
+              <a:shade val="50000"/>
+            </a:schemeClr>
+          </a:lnRef>
+          <a:fillRef idx="1">
+            <a:schemeClr val="accent1"/>
+          </a:fillRef>
+          <a:effectRef idx="0">
+            <a:schemeClr val="accent1"/>
+          </a:effectRef>
+          <a:fontRef idx="minor">
+            <a:schemeClr val="lt1"/>
+          </a:fontRef>
+        </p:style>
+        <p:txBody>
+          <a:bodyPr rtlCol="0" anchor="ctr"/>
+          <a:lstStyle/>
+          <a:p>
+            <a:pPr algn="ctr"/>
+            <a:endParaRPr lang="en-US">
+              <a:solidFill>
+                <a:schemeClr val="tx1"/>
+              </a:solidFill>
+            </a:endParaRPr>
+          </a:p>
+        </p:txBody>
+      </p:sp>
+      <p:cxnSp>
+        <p:nvCxnSpPr>
+          <p:cNvPr id="12" name="Straight Connector 11"/>
+          <p:cNvCxnSpPr>
+            <a:endCxn id="11" idx="7"/>
+          </p:cNvCxnSpPr>
+          <p:nvPr/>
+        </p:nvCxnSpPr>
+        <p:spPr>
+          <a:xfrm>
+            <a:off x="5658116" y="3604602"/>
+            <a:ext cx="193299" cy="44262"/>
+          </a:xfrm>
+          <a:prstGeom prst="line">
+            <a:avLst/>
+          </a:prstGeom>
+        </p:spPr>
+        <p:style>
+          <a:lnRef idx="1">
+            <a:schemeClr val="dk1"/>
+          </a:lnRef>
+          <a:fillRef idx="0">
+            <a:schemeClr val="dk1"/>
+          </a:fillRef>
+          <a:effectRef idx="0">
+            <a:schemeClr val="dk1"/>
+          </a:effectRef>
+          <a:fontRef idx="minor">
+            <a:schemeClr val="tx1"/>
+          </a:fontRef>
+        </p:style>
+      </p:cxnSp>
+      <p:cxnSp>
+        <p:nvCxnSpPr>
+          <p:cNvPr id="13" name="Straight Connector 12"/>
+          <p:cNvCxnSpPr/>
+          <p:nvPr/>
+        </p:nvCxnSpPr>
+        <p:spPr>
+          <a:xfrm flipH="1">
+            <a:off x="5835376" y="3440533"/>
+            <a:ext cx="34188" cy="192290"/>
+          </a:xfrm>
+          <a:prstGeom prst="line">
+            <a:avLst/>
+          </a:prstGeom>
+        </p:spPr>
+        <p:style>
+          <a:lnRef idx="1">
+            <a:schemeClr val="dk1"/>
+          </a:lnRef>
+          <a:fillRef idx="0">
+            <a:schemeClr val="dk1"/>
+          </a:fillRef>
+          <a:effectRef idx="0">
+            <a:schemeClr val="dk1"/>
+          </a:effectRef>
+          <a:fontRef idx="minor">
+            <a:schemeClr val="tx1"/>
+          </a:fontRef>
+        </p:style>
+      </p:cxnSp>
+      <p:sp>
+        <p:nvSpPr>
+          <p:cNvPr id="14" name="Oval 13"/>
+          <p:cNvSpPr/>
+          <p:nvPr/>
+        </p:nvSpPr>
+        <p:spPr>
+          <a:xfrm>
+            <a:off x="5606877" y="3604602"/>
+            <a:ext cx="874479" cy="894596"/>
+          </a:xfrm>
+          <a:prstGeom prst="ellipse">
+            <a:avLst/>
+          </a:prstGeom>
+          <a:solidFill>
+            <a:srgbClr val="EEF961"/>
+          </a:solidFill>
+          <a:ln>
+            <a:solidFill>
+              <a:schemeClr val="tx2"/>
+            </a:solidFill>
+          </a:ln>
+        </p:spPr>
+        <p:style>
+          <a:lnRef idx="2">
+            <a:schemeClr val="accent1">
+              <a:shade val="50000"/>
+            </a:schemeClr>
+          </a:lnRef>
+          <a:fillRef idx="1">
+            <a:schemeClr val="accent1"/>
+          </a:fillRef>
+          <a:effectRef idx="0">
+            <a:schemeClr val="accent1"/>
+          </a:effectRef>
+          <a:fontRef idx="minor">
+            <a:schemeClr val="lt1"/>
+          </a:fontRef>
+        </p:style>
+        <p:txBody>
+          <a:bodyPr rtlCol="0" anchor="ctr"/>
+          <a:lstStyle/>
+          <a:p>
+            <a:pPr algn="ctr"/>
+            <a:r>
+              <a:rPr lang="en-US" sz="2000" b="1" dirty="0" smtClean="0">
+                <a:solidFill>
+                  <a:schemeClr val="tx1"/>
+                </a:solidFill>
+              </a:rPr>
+              <a:t>p</a:t>
+            </a:r>
+            <a:endParaRPr lang="en-US" sz="2000" b="1" dirty="0">
+              <a:solidFill>
+                <a:schemeClr val="tx1"/>
+              </a:solidFill>
+            </a:endParaRPr>
+          </a:p>
+        </p:txBody>
+      </p:sp>
+      <p:cxnSp>
+        <p:nvCxnSpPr>
+          <p:cNvPr id="15" name="Straight Arrow Connector 14"/>
+          <p:cNvCxnSpPr>
+            <a:stCxn id="5" idx="6"/>
+            <a:endCxn id="14" idx="2"/>
+          </p:cNvCxnSpPr>
+          <p:nvPr/>
+        </p:nvCxnSpPr>
+        <p:spPr>
+          <a:xfrm>
+            <a:off x="3302963" y="4051900"/>
+            <a:ext cx="2303914" cy="0"/>
+          </a:xfrm>
+          <a:prstGeom prst="straightConnector1">
+            <a:avLst/>
+          </a:prstGeom>
+          <a:ln>
+            <a:tailEnd type="triangle"/>
+          </a:ln>
+        </p:spPr>
+        <p:style>
+          <a:lnRef idx="1">
+            <a:schemeClr val="dk1"/>
+          </a:lnRef>
+          <a:fillRef idx="0">
+            <a:schemeClr val="dk1"/>
+          </a:fillRef>
+          <a:effectRef idx="0">
+            <a:schemeClr val="dk1"/>
+          </a:effectRef>
+          <a:fontRef idx="minor">
+            <a:schemeClr val="tx1"/>
+          </a:fontRef>
+        </p:style>
+      </p:cxnSp>
+      <p:sp>
+        <p:nvSpPr>
+          <p:cNvPr id="16" name="TextBox 15"/>
+          <p:cNvSpPr txBox="1"/>
+          <p:nvPr/>
+        </p:nvSpPr>
+        <p:spPr>
+          <a:xfrm>
+            <a:off x="3956943" y="4062796"/>
+            <a:ext cx="1185273" cy="1015663"/>
+          </a:xfrm>
+          <a:prstGeom prst="rect">
+            <a:avLst/>
+          </a:prstGeom>
+          <a:noFill/>
+        </p:spPr>
+        <p:txBody>
+          <a:bodyPr wrap="square" rtlCol="0">
+            <a:spAutoFit/>
+          </a:bodyPr>
+          <a:lstStyle/>
+          <a:p>
+            <a:r>
+              <a:rPr lang="en-US" sz="2000" dirty="0" smtClean="0"/>
+              <a:t>c, </a:t>
+            </a:r>
+            <a:r>
+              <a:rPr lang="en-US" sz="2000" dirty="0"/>
+              <a:t>Z</a:t>
+            </a:r>
+            <a:r>
+              <a:rPr lang="en-US" sz="1200" dirty="0"/>
+              <a:t>0</a:t>
+            </a:r>
+            <a:r>
+              <a:rPr lang="en-US" sz="2000" dirty="0" smtClean="0"/>
+              <a:t> / </a:t>
+            </a:r>
+            <a:r>
+              <a:rPr lang="en-US" sz="2000" dirty="0" smtClean="0"/>
+              <a:t>Z</a:t>
+            </a:r>
+            <a:r>
+              <a:rPr lang="en-US" sz="1200" dirty="0" smtClean="0"/>
+              <a:t>0</a:t>
+            </a:r>
+          </a:p>
+          <a:p>
+            <a:r>
+              <a:rPr lang="en-US" sz="2000" dirty="0" smtClean="0"/>
+              <a:t>c, a / a</a:t>
+            </a:r>
+          </a:p>
+          <a:p>
+            <a:r>
+              <a:rPr lang="en-US" sz="2000" dirty="0" smtClean="0"/>
+              <a:t>c, b / b</a:t>
+            </a:r>
+            <a:endParaRPr lang="en-US" sz="2000" dirty="0"/>
+          </a:p>
+        </p:txBody>
+      </p:sp>
+      <p:cxnSp>
+        <p:nvCxnSpPr>
+          <p:cNvPr id="17" name="Straight Arrow Connector 16"/>
+          <p:cNvCxnSpPr/>
+          <p:nvPr/>
+        </p:nvCxnSpPr>
+        <p:spPr>
+          <a:xfrm>
+            <a:off x="6478483" y="4051900"/>
+            <a:ext cx="2303914" cy="0"/>
+          </a:xfrm>
+          <a:prstGeom prst="straightConnector1">
+            <a:avLst/>
+          </a:prstGeom>
+          <a:ln>
+            <a:tailEnd type="triangle"/>
+          </a:ln>
+        </p:spPr>
+        <p:style>
+          <a:lnRef idx="1">
+            <a:schemeClr val="dk1"/>
+          </a:lnRef>
+          <a:fillRef idx="0">
+            <a:schemeClr val="dk1"/>
+          </a:fillRef>
+          <a:effectRef idx="0">
+            <a:schemeClr val="dk1"/>
+          </a:effectRef>
+          <a:fontRef idx="minor">
+            <a:schemeClr val="tx1"/>
+          </a:fontRef>
+        </p:style>
+      </p:cxnSp>
+      <p:sp>
+        <p:nvSpPr>
+          <p:cNvPr id="18" name="TextBox 17"/>
+          <p:cNvSpPr txBox="1"/>
+          <p:nvPr/>
+        </p:nvSpPr>
+        <p:spPr>
+          <a:xfrm>
+            <a:off x="7059241" y="3716254"/>
+            <a:ext cx="1252246" cy="400110"/>
+          </a:xfrm>
+          <a:prstGeom prst="rect">
+            <a:avLst/>
+          </a:prstGeom>
+          <a:noFill/>
+        </p:spPr>
+        <p:txBody>
+          <a:bodyPr wrap="square" rtlCol="0">
+            <a:spAutoFit/>
+          </a:bodyPr>
+          <a:lstStyle/>
+          <a:p>
+            <a:r>
+              <a:rPr lang="en-US" sz="2000" dirty="0" smtClean="0"/>
+              <a:t>, Z</a:t>
+            </a:r>
+            <a:r>
+              <a:rPr lang="en-US" sz="1200" dirty="0" smtClean="0"/>
+              <a:t>0</a:t>
+            </a:r>
+            <a:r>
+              <a:rPr lang="en-US" sz="2000" dirty="0" smtClean="0"/>
+              <a:t> / Z</a:t>
+            </a:r>
+            <a:r>
+              <a:rPr lang="en-US" sz="1200" dirty="0" smtClean="0"/>
+              <a:t>0</a:t>
+            </a:r>
+            <a:endParaRPr lang="en-US" sz="1200" dirty="0"/>
+          </a:p>
+        </p:txBody>
+      </p:sp>
+      <p:sp>
+        <p:nvSpPr>
+          <p:cNvPr id="19" name="Oval 18"/>
+          <p:cNvSpPr/>
+          <p:nvPr/>
+        </p:nvSpPr>
+        <p:spPr>
+          <a:xfrm>
+            <a:off x="8776147" y="3531402"/>
+            <a:ext cx="1003048" cy="1040995"/>
+          </a:xfrm>
+          <a:prstGeom prst="ellipse">
+            <a:avLst/>
+          </a:prstGeom>
+        </p:spPr>
+        <p:style>
+          <a:lnRef idx="2">
+            <a:schemeClr val="dk1"/>
+          </a:lnRef>
+          <a:fillRef idx="1">
+            <a:schemeClr val="lt1"/>
+          </a:fillRef>
+          <a:effectRef idx="0">
+            <a:schemeClr val="dk1"/>
+          </a:effectRef>
+          <a:fontRef idx="minor">
+            <a:schemeClr val="dk1"/>
+          </a:fontRef>
+        </p:style>
+        <p:txBody>
+          <a:bodyPr rtlCol="0" anchor="ctr"/>
+          <a:lstStyle/>
+          <a:p>
+            <a:pPr algn="ctr"/>
+            <a:endParaRPr lang="en-US"/>
+          </a:p>
+        </p:txBody>
+      </p:sp>
+      <p:sp>
+        <p:nvSpPr>
+          <p:cNvPr id="20" name="Oval 19"/>
+          <p:cNvSpPr/>
+          <p:nvPr/>
+        </p:nvSpPr>
+        <p:spPr>
+          <a:xfrm>
+            <a:off x="8844955" y="3604602"/>
+            <a:ext cx="874479" cy="894596"/>
+          </a:xfrm>
+          <a:prstGeom prst="ellipse">
+            <a:avLst/>
+          </a:prstGeom>
+          <a:solidFill>
+            <a:srgbClr val="EEF961"/>
+          </a:solidFill>
+          <a:ln>
+            <a:solidFill>
+              <a:schemeClr val="tx2"/>
+            </a:solidFill>
+          </a:ln>
+        </p:spPr>
+        <p:style>
+          <a:lnRef idx="2">
+            <a:schemeClr val="accent1">
+              <a:shade val="50000"/>
+            </a:schemeClr>
+          </a:lnRef>
+          <a:fillRef idx="1">
+            <a:schemeClr val="accent1"/>
+          </a:fillRef>
+          <a:effectRef idx="0">
+            <a:schemeClr val="accent1"/>
+          </a:effectRef>
+          <a:fontRef idx="minor">
+            <a:schemeClr val="lt1"/>
+          </a:fontRef>
+        </p:style>
+        <p:txBody>
+          <a:bodyPr rtlCol="0" anchor="ctr"/>
+          <a:lstStyle/>
+          <a:p>
+            <a:pPr algn="ctr"/>
+            <a:r>
+              <a:rPr lang="en-US" sz="2000" b="1" dirty="0" smtClean="0">
+                <a:solidFill>
+                  <a:schemeClr val="tx1"/>
+                </a:solidFill>
+              </a:rPr>
+              <a:t>f</a:t>
+            </a:r>
+            <a:endParaRPr lang="en-US" sz="2000" b="1" dirty="0">
+              <a:solidFill>
+                <a:schemeClr val="tx1"/>
+              </a:solidFill>
+            </a:endParaRPr>
+          </a:p>
+        </p:txBody>
+      </p:sp>
+    </p:spTree>
+    <p:extLst>
+      <p:ext uri="{BB962C8B-B14F-4D97-AF65-F5344CB8AC3E}">
+        <p14:creationId xmlns:p14="http://schemas.microsoft.com/office/powerpoint/2010/main" val="3742366127"/>
+      </p:ext>
+    </p:extLst>
+  </p:cSld>
+  <p:clrMapOvr>
+    <a:masterClrMapping/>
+  </p:clrMapOvr>
+</p:sld>
+</file>
+
+<file path=ppt/slides/slide18.xml><?xml version="1.0" encoding="utf-8"?>
+<p:sld xmlns:a="http://schemas.openxmlformats.org/drawingml/2006/main" xmlns:r="http://schemas.openxmlformats.org/officeDocument/2006/relationships" xmlns:p="http://schemas.openxmlformats.org/presentationml/2006/main">
+  <p:cSld>
+    <p:spTree>
+      <p:nvGrpSpPr>
+        <p:cNvPr id="1" name=""/>
+        <p:cNvGrpSpPr/>
+        <p:nvPr/>
+      </p:nvGrpSpPr>
+      <p:grpSpPr>
+        <a:xfrm>
+          <a:off x="0" y="0"/>
+          <a:ext cx="0" cy="0"/>
+          <a:chOff x="0" y="0"/>
+          <a:chExt cx="0" cy="0"/>
+        </a:xfrm>
+      </p:grpSpPr>
+      <p:sp>
+        <p:nvSpPr>
+          <p:cNvPr id="2" name="Title 1"/>
+          <p:cNvSpPr>
+            <a:spLocks noGrp="1"/>
+          </p:cNvSpPr>
+          <p:nvPr>
+            <p:ph type="title"/>
+          </p:nvPr>
+        </p:nvSpPr>
+        <p:spPr/>
+        <p:txBody>
+          <a:bodyPr/>
+          <a:lstStyle/>
+          <a:p>
+            <a:r>
+              <a:rPr lang="en-US" dirty="0" smtClean="0"/>
+              <a:t>Stack Movie of String </a:t>
+            </a:r>
+            <a:r>
+              <a:rPr lang="en-US" dirty="0" err="1" smtClean="0"/>
+              <a:t>aabb</a:t>
+            </a:r>
+            <a:r>
+              <a:rPr lang="en-US" dirty="0" smtClean="0"/>
+              <a:t>:</a:t>
+            </a:r>
+            <a:endParaRPr lang="en-US" dirty="0"/>
+          </a:p>
+        </p:txBody>
+      </p:sp>
       <p:pic>
         <p:nvPicPr>
-          <p:cNvPr id="2" name="Picture 1"/>
+          <p:cNvPr id="4" name="Content Placeholder 3"/>
+          <p:cNvPicPr>
+            <a:picLocks noGrp="1" noChangeAspect="1"/>
+          </p:cNvPicPr>
+          <p:nvPr>
+            <p:ph idx="1"/>
+          </p:nvPr>
+        </p:nvPicPr>
+        <p:blipFill rotWithShape="1">
+          <a:blip r:embed="rId2">
+            <a:extLst>
+              <a:ext uri="{28A0092B-C50C-407E-A947-70E740481C1C}">
+                <a14:useLocalDpi xmlns:a14="http://schemas.microsoft.com/office/drawing/2010/main" val="0"/>
+              </a:ext>
+            </a:extLst>
+          </a:blip>
+          <a:srcRect l="42360" t="17671" b="9340"/>
+          <a:stretch/>
+        </p:blipFill>
+        <p:spPr>
+          <a:xfrm>
+            <a:off x="5355771" y="2133601"/>
+            <a:ext cx="6836229" cy="4724400"/>
+          </a:xfrm>
+        </p:spPr>
+      </p:pic>
+      <p:pic>
+        <p:nvPicPr>
+          <p:cNvPr id="7" name="Picture 6"/>
           <p:cNvPicPr>
             <a:picLocks noChangeAspect="1"/>
           </p:cNvPicPr>
           <p:nvPr/>
         </p:nvPicPr>
-        <p:blipFill>
-          <a:blip r:embed="rId3"/>
-          <a:stretch>
-            <a:fillRect/>
-          </a:stretch>
+        <p:blipFill rotWithShape="1">
+          <a:blip r:embed="rId2">
+            <a:extLst>
+              <a:ext uri="{28A0092B-C50C-407E-A947-70E740481C1C}">
+                <a14:useLocalDpi xmlns:a14="http://schemas.microsoft.com/office/drawing/2010/main" val="0"/>
+              </a:ext>
+            </a:extLst>
+          </a:blip>
+          <a:srcRect l="14921" t="33016" r="56984" b="10053"/>
+          <a:stretch/>
         </p:blipFill>
         <p:spPr>
           <a:xfrm>
-            <a:off x="3303164" y="3872923"/>
-            <a:ext cx="5286375" cy="1524000"/>
+            <a:off x="2589212" y="2133599"/>
+            <a:ext cx="2766559" cy="3860801"/>
           </a:xfrm>
           <a:prstGeom prst="rect">
             <a:avLst/>
           </a:prstGeom>
         </p:spPr>
       </p:pic>
+      <p:sp>
+        <p:nvSpPr>
+          <p:cNvPr id="8" name="Rectangle 7"/>
+          <p:cNvSpPr/>
+          <p:nvPr/>
+        </p:nvSpPr>
+        <p:spPr>
+          <a:xfrm>
+            <a:off x="5355771" y="2423886"/>
+            <a:ext cx="1930400" cy="682171"/>
+          </a:xfrm>
+          <a:prstGeom prst="rect">
+            <a:avLst/>
+          </a:prstGeom>
+          <a:ln>
+            <a:noFill/>
+          </a:ln>
+        </p:spPr>
+        <p:style>
+          <a:lnRef idx="2">
+            <a:schemeClr val="accent6"/>
+          </a:lnRef>
+          <a:fillRef idx="1">
+            <a:schemeClr val="lt1"/>
+          </a:fillRef>
+          <a:effectRef idx="0">
+            <a:schemeClr val="accent6"/>
+          </a:effectRef>
+          <a:fontRef idx="minor">
+            <a:schemeClr val="dk1"/>
+          </a:fontRef>
+        </p:style>
+        <p:txBody>
+          <a:bodyPr rtlCol="0" anchor="ctr"/>
+          <a:lstStyle/>
+          <a:p>
+            <a:pPr algn="ctr"/>
+            <a:endParaRPr lang="en-US"/>
+          </a:p>
+        </p:txBody>
+      </p:sp>
     </p:spTree>
     <p:extLst>
       <p:ext uri="{BB962C8B-B14F-4D97-AF65-F5344CB8AC3E}">
-        <p14:creationId xmlns:p14="http://schemas.microsoft.com/office/powerpoint/2010/main" val="3989535333"/>
+        <p14:creationId xmlns:p14="http://schemas.microsoft.com/office/powerpoint/2010/main" val="2198290342"/>
       </p:ext>
     </p:extLst>
   </p:cSld>
